--- a/FinalResport-NewsClassifier.pptx
+++ b/FinalResport-NewsClassifier.pptx
@@ -9,16 +9,19 @@
     <p:sldId id="257" r:id="rId3"/>
     <p:sldId id="269" r:id="rId4"/>
     <p:sldId id="270" r:id="rId5"/>
-    <p:sldId id="261" r:id="rId6"/>
-    <p:sldId id="258" r:id="rId7"/>
-    <p:sldId id="267" r:id="rId8"/>
-    <p:sldId id="263" r:id="rId9"/>
-    <p:sldId id="259" r:id="rId10"/>
-    <p:sldId id="266" r:id="rId11"/>
-    <p:sldId id="268" r:id="rId12"/>
-    <p:sldId id="264" r:id="rId13"/>
-    <p:sldId id="260" r:id="rId14"/>
-    <p:sldId id="265" r:id="rId15"/>
+    <p:sldId id="271" r:id="rId6"/>
+    <p:sldId id="261" r:id="rId7"/>
+    <p:sldId id="258" r:id="rId8"/>
+    <p:sldId id="267" r:id="rId9"/>
+    <p:sldId id="263" r:id="rId10"/>
+    <p:sldId id="259" r:id="rId11"/>
+    <p:sldId id="266" r:id="rId12"/>
+    <p:sldId id="268" r:id="rId13"/>
+    <p:sldId id="272" r:id="rId14"/>
+    <p:sldId id="264" r:id="rId15"/>
+    <p:sldId id="260" r:id="rId16"/>
+    <p:sldId id="273" r:id="rId17"/>
+    <p:sldId id="265" r:id="rId18"/>
   </p:sldIdLst>
   <p:sldSz cx="12192000" cy="6858000"/>
   <p:notesSz cx="6858000" cy="9144000"/>
@@ -274,7 +277,7 @@
           <a:p>
             <a:fld id="{103DDDAE-9C39-486E-BA70-9BA39168CD8D}" type="datetimeFigureOut">
               <a:rPr lang="en-IN" smtClean="0"/>
-              <a:t>01-11-2021</a:t>
+              <a:t>02-11-2021</a:t>
             </a:fld>
             <a:endParaRPr lang="en-IN"/>
           </a:p>
@@ -474,7 +477,7 @@
           <a:p>
             <a:fld id="{103DDDAE-9C39-486E-BA70-9BA39168CD8D}" type="datetimeFigureOut">
               <a:rPr lang="en-IN" smtClean="0"/>
-              <a:t>01-11-2021</a:t>
+              <a:t>02-11-2021</a:t>
             </a:fld>
             <a:endParaRPr lang="en-IN"/>
           </a:p>
@@ -684,7 +687,7 @@
           <a:p>
             <a:fld id="{103DDDAE-9C39-486E-BA70-9BA39168CD8D}" type="datetimeFigureOut">
               <a:rPr lang="en-IN" smtClean="0"/>
-              <a:t>01-11-2021</a:t>
+              <a:t>02-11-2021</a:t>
             </a:fld>
             <a:endParaRPr lang="en-IN"/>
           </a:p>
@@ -884,7 +887,7 @@
           <a:p>
             <a:fld id="{103DDDAE-9C39-486E-BA70-9BA39168CD8D}" type="datetimeFigureOut">
               <a:rPr lang="en-IN" smtClean="0"/>
-              <a:t>01-11-2021</a:t>
+              <a:t>02-11-2021</a:t>
             </a:fld>
             <a:endParaRPr lang="en-IN"/>
           </a:p>
@@ -1160,7 +1163,7 @@
           <a:p>
             <a:fld id="{103DDDAE-9C39-486E-BA70-9BA39168CD8D}" type="datetimeFigureOut">
               <a:rPr lang="en-IN" smtClean="0"/>
-              <a:t>01-11-2021</a:t>
+              <a:t>02-11-2021</a:t>
             </a:fld>
             <a:endParaRPr lang="en-IN"/>
           </a:p>
@@ -1428,7 +1431,7 @@
           <a:p>
             <a:fld id="{103DDDAE-9C39-486E-BA70-9BA39168CD8D}" type="datetimeFigureOut">
               <a:rPr lang="en-IN" smtClean="0"/>
-              <a:t>01-11-2021</a:t>
+              <a:t>02-11-2021</a:t>
             </a:fld>
             <a:endParaRPr lang="en-IN"/>
           </a:p>
@@ -1843,7 +1846,7 @@
           <a:p>
             <a:fld id="{103DDDAE-9C39-486E-BA70-9BA39168CD8D}" type="datetimeFigureOut">
               <a:rPr lang="en-IN" smtClean="0"/>
-              <a:t>01-11-2021</a:t>
+              <a:t>02-11-2021</a:t>
             </a:fld>
             <a:endParaRPr lang="en-IN"/>
           </a:p>
@@ -1985,7 +1988,7 @@
           <a:p>
             <a:fld id="{103DDDAE-9C39-486E-BA70-9BA39168CD8D}" type="datetimeFigureOut">
               <a:rPr lang="en-IN" smtClean="0"/>
-              <a:t>01-11-2021</a:t>
+              <a:t>02-11-2021</a:t>
             </a:fld>
             <a:endParaRPr lang="en-IN"/>
           </a:p>
@@ -2098,7 +2101,7 @@
           <a:p>
             <a:fld id="{103DDDAE-9C39-486E-BA70-9BA39168CD8D}" type="datetimeFigureOut">
               <a:rPr lang="en-IN" smtClean="0"/>
-              <a:t>01-11-2021</a:t>
+              <a:t>02-11-2021</a:t>
             </a:fld>
             <a:endParaRPr lang="en-IN"/>
           </a:p>
@@ -2411,7 +2414,7 @@
           <a:p>
             <a:fld id="{103DDDAE-9C39-486E-BA70-9BA39168CD8D}" type="datetimeFigureOut">
               <a:rPr lang="en-IN" smtClean="0"/>
-              <a:t>01-11-2021</a:t>
+              <a:t>02-11-2021</a:t>
             </a:fld>
             <a:endParaRPr lang="en-IN"/>
           </a:p>
@@ -2700,7 +2703,7 @@
           <a:p>
             <a:fld id="{103DDDAE-9C39-486E-BA70-9BA39168CD8D}" type="datetimeFigureOut">
               <a:rPr lang="en-IN" smtClean="0"/>
-              <a:t>01-11-2021</a:t>
+              <a:t>02-11-2021</a:t>
             </a:fld>
             <a:endParaRPr lang="en-IN"/>
           </a:p>
@@ -2943,7 +2946,7 @@
           <a:p>
             <a:fld id="{103DDDAE-9C39-486E-BA70-9BA39168CD8D}" type="datetimeFigureOut">
               <a:rPr lang="en-IN" smtClean="0"/>
-              <a:t>01-11-2021</a:t>
+              <a:t>02-11-2021</a:t>
             </a:fld>
             <a:endParaRPr lang="en-IN"/>
           </a:p>
@@ -3552,6 +3555,739 @@
           <p:cNvPr id="2" name="Title 1">
             <a:extLst>
               <a:ext uri="{FF2B5EF4-FFF2-40B4-BE49-F238E27FC236}">
+                <a16:creationId xmlns:a16="http://schemas.microsoft.com/office/drawing/2014/main" id="{0807F618-364D-48A6-8D8D-7AF6CD62657C}"/>
+              </a:ext>
+            </a:extLst>
+          </p:cNvPr>
+          <p:cNvSpPr>
+            <a:spLocks noGrp="1"/>
+          </p:cNvSpPr>
+          <p:nvPr>
+            <p:ph type="title"/>
+          </p:nvPr>
+        </p:nvSpPr>
+        <p:spPr/>
+        <p:txBody>
+          <a:bodyPr/>
+          <a:lstStyle/>
+          <a:p>
+            <a:r>
+              <a:rPr lang="en-IN" dirty="0"/>
+              <a:t>Architecture</a:t>
+            </a:r>
+          </a:p>
+        </p:txBody>
+      </p:sp>
+      <p:grpSp>
+        <p:nvGrpSpPr>
+          <p:cNvPr id="3" name="Group 2">
+            <a:extLst>
+              <a:ext uri="{FF2B5EF4-FFF2-40B4-BE49-F238E27FC236}">
+                <a16:creationId xmlns:a16="http://schemas.microsoft.com/office/drawing/2014/main" id="{D4D4A995-345F-4995-86CD-DBB9CD7AD3F4}"/>
+              </a:ext>
+            </a:extLst>
+          </p:cNvPr>
+          <p:cNvGrpSpPr/>
+          <p:nvPr/>
+        </p:nvGrpSpPr>
+        <p:grpSpPr>
+          <a:xfrm>
+            <a:off x="2822713" y="2599605"/>
+            <a:ext cx="8078030" cy="3683485"/>
+            <a:chOff x="1338470" y="2281553"/>
+            <a:chExt cx="8078030" cy="3683485"/>
+          </a:xfrm>
+        </p:grpSpPr>
+        <p:sp>
+          <p:nvSpPr>
+            <p:cNvPr id="4" name="Rectangle: Rounded Corners 3">
+              <a:extLst>
+                <a:ext uri="{FF2B5EF4-FFF2-40B4-BE49-F238E27FC236}">
+                  <a16:creationId xmlns:a16="http://schemas.microsoft.com/office/drawing/2014/main" id="{7834004C-065A-4CB6-BF8A-6F0661CB2D5E}"/>
+                </a:ext>
+              </a:extLst>
+            </p:cNvPr>
+            <p:cNvSpPr/>
+            <p:nvPr/>
+          </p:nvSpPr>
+          <p:spPr>
+            <a:xfrm>
+              <a:off x="1338470" y="2822713"/>
+              <a:ext cx="2239617" cy="1987826"/>
+            </a:xfrm>
+            <a:prstGeom prst="roundRect">
+              <a:avLst/>
+            </a:prstGeom>
+          </p:spPr>
+          <p:style>
+            <a:lnRef idx="2">
+              <a:schemeClr val="accent1">
+                <a:shade val="50000"/>
+              </a:schemeClr>
+            </a:lnRef>
+            <a:fillRef idx="1">
+              <a:schemeClr val="accent1"/>
+            </a:fillRef>
+            <a:effectRef idx="0">
+              <a:schemeClr val="accent1"/>
+            </a:effectRef>
+            <a:fontRef idx="minor">
+              <a:schemeClr val="lt1"/>
+            </a:fontRef>
+          </p:style>
+          <p:txBody>
+            <a:bodyPr rtlCol="0" anchor="ctr"/>
+            <a:lstStyle/>
+            <a:p>
+              <a:pPr algn="ctr"/>
+              <a:r>
+                <a:rPr lang="en-IN" dirty="0"/>
+                <a:t>News classifier UI</a:t>
+              </a:r>
+            </a:p>
+            <a:p>
+              <a:pPr algn="ctr"/>
+              <a:r>
+                <a:rPr lang="en-IN" dirty="0"/>
+                <a:t>(html, </a:t>
+              </a:r>
+              <a:r>
+                <a:rPr lang="en-IN" dirty="0" err="1"/>
+                <a:t>js</a:t>
+              </a:r>
+              <a:r>
+                <a:rPr lang="en-IN" dirty="0"/>
+                <a:t>)</a:t>
+              </a:r>
+            </a:p>
+          </p:txBody>
+        </p:sp>
+        <p:cxnSp>
+          <p:nvCxnSpPr>
+            <p:cNvPr id="6" name="Straight Arrow Connector 5">
+              <a:extLst>
+                <a:ext uri="{FF2B5EF4-FFF2-40B4-BE49-F238E27FC236}">
+                  <a16:creationId xmlns:a16="http://schemas.microsoft.com/office/drawing/2014/main" id="{F03F245E-82BE-4365-8E78-F5FD1F20D3AA}"/>
+                </a:ext>
+              </a:extLst>
+            </p:cNvPr>
+            <p:cNvCxnSpPr>
+              <a:cxnSpLocks/>
+            </p:cNvCxnSpPr>
+            <p:nvPr/>
+          </p:nvCxnSpPr>
+          <p:spPr>
+            <a:xfrm>
+              <a:off x="3578087" y="3678514"/>
+              <a:ext cx="1772477" cy="0"/>
+            </a:xfrm>
+            <a:prstGeom prst="straightConnector1">
+              <a:avLst/>
+            </a:prstGeom>
+            <a:ln>
+              <a:tailEnd type="triangle"/>
+            </a:ln>
+          </p:spPr>
+          <p:style>
+            <a:lnRef idx="1">
+              <a:schemeClr val="accent1"/>
+            </a:lnRef>
+            <a:fillRef idx="0">
+              <a:schemeClr val="accent1"/>
+            </a:fillRef>
+            <a:effectRef idx="0">
+              <a:schemeClr val="accent1"/>
+            </a:effectRef>
+            <a:fontRef idx="minor">
+              <a:schemeClr val="tx1"/>
+            </a:fontRef>
+          </p:style>
+        </p:cxnSp>
+        <p:sp>
+          <p:nvSpPr>
+            <p:cNvPr id="7" name="TextBox 6">
+              <a:extLst>
+                <a:ext uri="{FF2B5EF4-FFF2-40B4-BE49-F238E27FC236}">
+                  <a16:creationId xmlns:a16="http://schemas.microsoft.com/office/drawing/2014/main" id="{D137C465-1068-4884-8A02-BF2ED4F2C1C4}"/>
+                </a:ext>
+              </a:extLst>
+            </p:cNvPr>
+            <p:cNvSpPr txBox="1"/>
+            <p:nvPr/>
+          </p:nvSpPr>
+          <p:spPr>
+            <a:xfrm>
+              <a:off x="3988077" y="3300666"/>
+              <a:ext cx="861392" cy="646331"/>
+            </a:xfrm>
+            <a:prstGeom prst="rect">
+              <a:avLst/>
+            </a:prstGeom>
+            <a:noFill/>
+          </p:spPr>
+          <p:txBody>
+            <a:bodyPr wrap="square" rtlCol="0">
+              <a:spAutoFit/>
+            </a:bodyPr>
+            <a:lstStyle/>
+            <a:p>
+              <a:r>
+                <a:rPr lang="en-IN" dirty="0"/>
+                <a:t>Article/</a:t>
+              </a:r>
+              <a:r>
+                <a:rPr lang="en-IN" dirty="0" err="1"/>
+                <a:t>url</a:t>
+              </a:r>
+              <a:endParaRPr lang="en-IN" dirty="0"/>
+            </a:p>
+          </p:txBody>
+        </p:sp>
+        <p:sp>
+          <p:nvSpPr>
+            <p:cNvPr id="8" name="Rectangle: Rounded Corners 7">
+              <a:extLst>
+                <a:ext uri="{FF2B5EF4-FFF2-40B4-BE49-F238E27FC236}">
+                  <a16:creationId xmlns:a16="http://schemas.microsoft.com/office/drawing/2014/main" id="{B17CEC89-AA24-4364-9A42-C25BF3FE3EE8}"/>
+                </a:ext>
+              </a:extLst>
+            </p:cNvPr>
+            <p:cNvSpPr/>
+            <p:nvPr/>
+          </p:nvSpPr>
+          <p:spPr>
+            <a:xfrm>
+              <a:off x="5344766" y="2281553"/>
+              <a:ext cx="4071734" cy="3245746"/>
+            </a:xfrm>
+            <a:prstGeom prst="roundRect">
+              <a:avLst/>
+            </a:prstGeom>
+          </p:spPr>
+          <p:style>
+            <a:lnRef idx="2">
+              <a:schemeClr val="accent1">
+                <a:shade val="50000"/>
+              </a:schemeClr>
+            </a:lnRef>
+            <a:fillRef idx="1">
+              <a:schemeClr val="accent1"/>
+            </a:fillRef>
+            <a:effectRef idx="0">
+              <a:schemeClr val="accent1"/>
+            </a:effectRef>
+            <a:fontRef idx="minor">
+              <a:schemeClr val="lt1"/>
+            </a:fontRef>
+          </p:style>
+          <p:txBody>
+            <a:bodyPr rtlCol="0" anchor="ctr"/>
+            <a:lstStyle/>
+            <a:p>
+              <a:pPr algn="ctr"/>
+              <a:r>
+                <a:rPr lang="en-IN" dirty="0"/>
+                <a:t>API</a:t>
+              </a:r>
+            </a:p>
+          </p:txBody>
+        </p:sp>
+        <p:sp>
+          <p:nvSpPr>
+            <p:cNvPr id="22" name="Rectangle: Rounded Corners 21">
+              <a:extLst>
+                <a:ext uri="{FF2B5EF4-FFF2-40B4-BE49-F238E27FC236}">
+                  <a16:creationId xmlns:a16="http://schemas.microsoft.com/office/drawing/2014/main" id="{5C90958E-A5AE-450B-9C50-F9393D6F379C}"/>
+                </a:ext>
+              </a:extLst>
+            </p:cNvPr>
+            <p:cNvSpPr/>
+            <p:nvPr/>
+          </p:nvSpPr>
+          <p:spPr>
+            <a:xfrm>
+              <a:off x="5732392" y="2740311"/>
+              <a:ext cx="3305590" cy="405964"/>
+            </a:xfrm>
+            <a:prstGeom prst="roundRect">
+              <a:avLst/>
+            </a:prstGeom>
+          </p:spPr>
+          <p:style>
+            <a:lnRef idx="2">
+              <a:schemeClr val="accent6"/>
+            </a:lnRef>
+            <a:fillRef idx="1">
+              <a:schemeClr val="lt1"/>
+            </a:fillRef>
+            <a:effectRef idx="0">
+              <a:schemeClr val="accent6"/>
+            </a:effectRef>
+            <a:fontRef idx="minor">
+              <a:schemeClr val="dk1"/>
+            </a:fontRef>
+          </p:style>
+          <p:txBody>
+            <a:bodyPr rtlCol="0" anchor="ctr"/>
+            <a:lstStyle/>
+            <a:p>
+              <a:pPr algn="ctr"/>
+              <a:r>
+                <a:rPr lang="en-IN" dirty="0"/>
+                <a:t>1. Extract data if its </a:t>
+              </a:r>
+              <a:r>
+                <a:rPr lang="en-IN" dirty="0" err="1"/>
+                <a:t>url</a:t>
+              </a:r>
+              <a:endParaRPr lang="en-IN" dirty="0"/>
+            </a:p>
+          </p:txBody>
+        </p:sp>
+        <p:sp>
+          <p:nvSpPr>
+            <p:cNvPr id="25" name="Rectangle: Rounded Corners 24">
+              <a:extLst>
+                <a:ext uri="{FF2B5EF4-FFF2-40B4-BE49-F238E27FC236}">
+                  <a16:creationId xmlns:a16="http://schemas.microsoft.com/office/drawing/2014/main" id="{0751147E-FFA1-4DB1-AD84-4BAAAC33A572}"/>
+                </a:ext>
+              </a:extLst>
+            </p:cNvPr>
+            <p:cNvSpPr/>
+            <p:nvPr/>
+          </p:nvSpPr>
+          <p:spPr>
+            <a:xfrm>
+              <a:off x="5732392" y="3315121"/>
+              <a:ext cx="3305590" cy="405964"/>
+            </a:xfrm>
+            <a:prstGeom prst="roundRect">
+              <a:avLst/>
+            </a:prstGeom>
+          </p:spPr>
+          <p:style>
+            <a:lnRef idx="2">
+              <a:schemeClr val="accent6"/>
+            </a:lnRef>
+            <a:fillRef idx="1">
+              <a:schemeClr val="lt1"/>
+            </a:fillRef>
+            <a:effectRef idx="0">
+              <a:schemeClr val="accent6"/>
+            </a:effectRef>
+            <a:fontRef idx="minor">
+              <a:schemeClr val="dk1"/>
+            </a:fontRef>
+          </p:style>
+          <p:txBody>
+            <a:bodyPr rtlCol="0" anchor="ctr"/>
+            <a:lstStyle/>
+            <a:p>
+              <a:pPr algn="ctr"/>
+              <a:r>
+                <a:rPr lang="en-IN" dirty="0"/>
+                <a:t>2.Preprocess data</a:t>
+              </a:r>
+            </a:p>
+          </p:txBody>
+        </p:sp>
+        <p:sp>
+          <p:nvSpPr>
+            <p:cNvPr id="26" name="Rectangle: Rounded Corners 25">
+              <a:extLst>
+                <a:ext uri="{FF2B5EF4-FFF2-40B4-BE49-F238E27FC236}">
+                  <a16:creationId xmlns:a16="http://schemas.microsoft.com/office/drawing/2014/main" id="{76661115-3670-4163-8ED4-7E65D7C80B04}"/>
+                </a:ext>
+              </a:extLst>
+            </p:cNvPr>
+            <p:cNvSpPr/>
+            <p:nvPr/>
+          </p:nvSpPr>
+          <p:spPr>
+            <a:xfrm>
+              <a:off x="5732393" y="4184661"/>
+              <a:ext cx="3411607" cy="809157"/>
+            </a:xfrm>
+            <a:prstGeom prst="roundRect">
+              <a:avLst/>
+            </a:prstGeom>
+          </p:spPr>
+          <p:style>
+            <a:lnRef idx="2">
+              <a:schemeClr val="accent6"/>
+            </a:lnRef>
+            <a:fillRef idx="1">
+              <a:schemeClr val="lt1"/>
+            </a:fillRef>
+            <a:effectRef idx="0">
+              <a:schemeClr val="accent6"/>
+            </a:effectRef>
+            <a:fontRef idx="minor">
+              <a:schemeClr val="dk1"/>
+            </a:fontRef>
+          </p:style>
+          <p:txBody>
+            <a:bodyPr rtlCol="0" anchor="ctr"/>
+            <a:lstStyle/>
+            <a:p>
+              <a:pPr algn="ctr"/>
+              <a:r>
+                <a:rPr lang="en-IN" dirty="0"/>
+                <a:t>3.Extract model from pickle file .Predict and give back response</a:t>
+              </a:r>
+            </a:p>
+          </p:txBody>
+        </p:sp>
+        <p:cxnSp>
+          <p:nvCxnSpPr>
+            <p:cNvPr id="28" name="Straight Arrow Connector 27">
+              <a:extLst>
+                <a:ext uri="{FF2B5EF4-FFF2-40B4-BE49-F238E27FC236}">
+                  <a16:creationId xmlns:a16="http://schemas.microsoft.com/office/drawing/2014/main" id="{0BF39E5A-6465-4963-B99B-16F24B0A8629}"/>
+                </a:ext>
+              </a:extLst>
+            </p:cNvPr>
+            <p:cNvCxnSpPr/>
+            <p:nvPr/>
+          </p:nvCxnSpPr>
+          <p:spPr>
+            <a:xfrm flipH="1">
+              <a:off x="3578087" y="4184661"/>
+              <a:ext cx="1772475" cy="0"/>
+            </a:xfrm>
+            <a:prstGeom prst="straightConnector1">
+              <a:avLst/>
+            </a:prstGeom>
+            <a:ln>
+              <a:tailEnd type="triangle"/>
+            </a:ln>
+          </p:spPr>
+          <p:style>
+            <a:lnRef idx="1">
+              <a:schemeClr val="accent1"/>
+            </a:lnRef>
+            <a:fillRef idx="0">
+              <a:schemeClr val="accent1"/>
+            </a:fillRef>
+            <a:effectRef idx="0">
+              <a:schemeClr val="accent1"/>
+            </a:effectRef>
+            <a:fontRef idx="minor">
+              <a:schemeClr val="tx1"/>
+            </a:fontRef>
+          </p:style>
+        </p:cxnSp>
+        <p:sp>
+          <p:nvSpPr>
+            <p:cNvPr id="29" name="TextBox 28">
+              <a:extLst>
+                <a:ext uri="{FF2B5EF4-FFF2-40B4-BE49-F238E27FC236}">
+                  <a16:creationId xmlns:a16="http://schemas.microsoft.com/office/drawing/2014/main" id="{C0A10903-4C5D-4832-B7AC-A47DE8BB398F}"/>
+                </a:ext>
+              </a:extLst>
+            </p:cNvPr>
+            <p:cNvSpPr txBox="1"/>
+            <p:nvPr/>
+          </p:nvSpPr>
+          <p:spPr>
+            <a:xfrm>
+              <a:off x="3988077" y="4086039"/>
+              <a:ext cx="1065145" cy="369332"/>
+            </a:xfrm>
+            <a:prstGeom prst="rect">
+              <a:avLst/>
+            </a:prstGeom>
+            <a:noFill/>
+          </p:spPr>
+          <p:txBody>
+            <a:bodyPr wrap="square" rtlCol="0">
+              <a:spAutoFit/>
+            </a:bodyPr>
+            <a:lstStyle/>
+            <a:p>
+              <a:r>
+                <a:rPr lang="en-IN" dirty="0"/>
+                <a:t>category</a:t>
+              </a:r>
+            </a:p>
+          </p:txBody>
+        </p:sp>
+        <p:sp>
+          <p:nvSpPr>
+            <p:cNvPr id="30" name="TextBox 29">
+              <a:extLst>
+                <a:ext uri="{FF2B5EF4-FFF2-40B4-BE49-F238E27FC236}">
+                  <a16:creationId xmlns:a16="http://schemas.microsoft.com/office/drawing/2014/main" id="{7E0BD407-FB7E-478C-8B61-B7305A5374F3}"/>
+                </a:ext>
+              </a:extLst>
+            </p:cNvPr>
+            <p:cNvSpPr txBox="1"/>
+            <p:nvPr/>
+          </p:nvSpPr>
+          <p:spPr>
+            <a:xfrm>
+              <a:off x="3869634" y="5595706"/>
+              <a:ext cx="4174435" cy="369332"/>
+            </a:xfrm>
+            <a:prstGeom prst="rect">
+              <a:avLst/>
+            </a:prstGeom>
+            <a:noFill/>
+          </p:spPr>
+          <p:txBody>
+            <a:bodyPr wrap="square" rtlCol="0">
+              <a:spAutoFit/>
+            </a:bodyPr>
+            <a:lstStyle/>
+            <a:p>
+              <a:r>
+                <a:rPr lang="en-IN" dirty="0"/>
+                <a:t>Prediction</a:t>
+              </a:r>
+            </a:p>
+          </p:txBody>
+        </p:sp>
+      </p:grpSp>
+      <p:sp>
+        <p:nvSpPr>
+          <p:cNvPr id="31" name="TextBox 30">
+            <a:extLst>
+              <a:ext uri="{FF2B5EF4-FFF2-40B4-BE49-F238E27FC236}">
+                <a16:creationId xmlns:a16="http://schemas.microsoft.com/office/drawing/2014/main" id="{587FD850-304A-4387-8075-195690C501AF}"/>
+              </a:ext>
+            </a:extLst>
+          </p:cNvPr>
+          <p:cNvSpPr txBox="1"/>
+          <p:nvPr/>
+        </p:nvSpPr>
+        <p:spPr>
+          <a:xfrm>
+            <a:off x="9144000" y="266222"/>
+            <a:ext cx="2794553" cy="2585323"/>
+          </a:xfrm>
+          <a:prstGeom prst="rect">
+            <a:avLst/>
+          </a:prstGeom>
+          <a:noFill/>
+        </p:spPr>
+        <p:txBody>
+          <a:bodyPr wrap="square" rtlCol="0">
+            <a:spAutoFit/>
+          </a:bodyPr>
+          <a:lstStyle/>
+          <a:p>
+            <a:r>
+              <a:rPr lang="en-IN" dirty="0"/>
+              <a:t>Tools and Installation</a:t>
+            </a:r>
+          </a:p>
+          <a:p>
+            <a:pPr marL="342900" indent="-342900">
+              <a:buAutoNum type="arabicPeriod"/>
+            </a:pPr>
+            <a:r>
+              <a:rPr lang="en-IN" dirty="0"/>
+              <a:t>newspaper3k python library</a:t>
+            </a:r>
+          </a:p>
+          <a:p>
+            <a:pPr marL="342900" indent="-342900">
+              <a:buAutoNum type="arabicPeriod"/>
+            </a:pPr>
+            <a:r>
+              <a:rPr lang="en-IN" dirty="0"/>
+              <a:t>Python </a:t>
+            </a:r>
+          </a:p>
+          <a:p>
+            <a:pPr marL="342900" indent="-342900">
+              <a:buAutoNum type="arabicPeriod"/>
+            </a:pPr>
+            <a:r>
+              <a:rPr lang="en-IN" dirty="0"/>
+              <a:t>Flask python library for </a:t>
+            </a:r>
+            <a:r>
+              <a:rPr lang="en-IN" dirty="0" err="1"/>
+              <a:t>api</a:t>
+            </a:r>
+            <a:endParaRPr lang="en-IN" dirty="0"/>
+          </a:p>
+          <a:p>
+            <a:pPr marL="342900" indent="-342900">
+              <a:buAutoNum type="arabicPeriod"/>
+            </a:pPr>
+            <a:r>
+              <a:rPr lang="en-IN" dirty="0"/>
+              <a:t>HTML and </a:t>
+            </a:r>
+            <a:r>
+              <a:rPr lang="en-IN" dirty="0" err="1"/>
+              <a:t>javascript</a:t>
+            </a:r>
+            <a:r>
+              <a:rPr lang="en-IN" dirty="0"/>
+              <a:t> for UI</a:t>
+            </a:r>
+          </a:p>
+          <a:p>
+            <a:pPr marL="342900" indent="-342900">
+              <a:buAutoNum type="arabicPeriod"/>
+            </a:pPr>
+            <a:endParaRPr lang="en-IN" dirty="0"/>
+          </a:p>
+        </p:txBody>
+      </p:sp>
+      <p:sp>
+        <p:nvSpPr>
+          <p:cNvPr id="32" name="TextBox 31">
+            <a:extLst>
+              <a:ext uri="{FF2B5EF4-FFF2-40B4-BE49-F238E27FC236}">
+                <a16:creationId xmlns:a16="http://schemas.microsoft.com/office/drawing/2014/main" id="{A71FBE99-7FF0-43BA-982D-6B78FCEF53D3}"/>
+              </a:ext>
+            </a:extLst>
+          </p:cNvPr>
+          <p:cNvSpPr txBox="1"/>
+          <p:nvPr/>
+        </p:nvSpPr>
+        <p:spPr>
+          <a:xfrm>
+            <a:off x="4281282" y="1719411"/>
+            <a:ext cx="1975401" cy="369332"/>
+          </a:xfrm>
+          <a:prstGeom prst="rect">
+            <a:avLst/>
+          </a:prstGeom>
+          <a:noFill/>
+        </p:spPr>
+        <p:txBody>
+          <a:bodyPr wrap="square" rtlCol="0">
+            <a:spAutoFit/>
+          </a:bodyPr>
+          <a:lstStyle/>
+          <a:p>
+            <a:r>
+              <a:rPr lang="en-IN" dirty="0"/>
+              <a:t>Milestone 4</a:t>
+            </a:r>
+          </a:p>
+        </p:txBody>
+      </p:sp>
+      <p:sp>
+        <p:nvSpPr>
+          <p:cNvPr id="15" name="TextBox 14">
+            <a:extLst>
+              <a:ext uri="{FF2B5EF4-FFF2-40B4-BE49-F238E27FC236}">
+                <a16:creationId xmlns:a16="http://schemas.microsoft.com/office/drawing/2014/main" id="{2401B571-3DF2-4042-9E1D-47879388B5BC}"/>
+              </a:ext>
+            </a:extLst>
+          </p:cNvPr>
+          <p:cNvSpPr txBox="1"/>
+          <p:nvPr/>
+        </p:nvSpPr>
+        <p:spPr>
+          <a:xfrm>
+            <a:off x="979301" y="3303429"/>
+            <a:ext cx="2406453" cy="2308324"/>
+          </a:xfrm>
+          <a:prstGeom prst="rect">
+            <a:avLst/>
+          </a:prstGeom>
+          <a:noFill/>
+        </p:spPr>
+        <p:txBody>
+          <a:bodyPr wrap="square" rtlCol="0">
+            <a:spAutoFit/>
+          </a:bodyPr>
+          <a:lstStyle/>
+          <a:p>
+            <a:r>
+              <a:rPr lang="en-IN" sz="1600" dirty="0"/>
+              <a:t>Topics:</a:t>
+            </a:r>
+          </a:p>
+          <a:p>
+            <a:r>
+              <a:rPr lang="en-IN" sz="1600" dirty="0"/>
+              <a:t>1.Business</a:t>
+            </a:r>
+          </a:p>
+          <a:p>
+            <a:r>
+              <a:rPr lang="en-IN" sz="1600" dirty="0"/>
+              <a:t>2.Entertainment</a:t>
+            </a:r>
+          </a:p>
+          <a:p>
+            <a:r>
+              <a:rPr lang="en-IN" sz="1600" dirty="0"/>
+              <a:t>3.General</a:t>
+            </a:r>
+          </a:p>
+          <a:p>
+            <a:r>
+              <a:rPr lang="en-IN" sz="1600" dirty="0"/>
+              <a:t>4.Health</a:t>
+            </a:r>
+          </a:p>
+          <a:p>
+            <a:r>
+              <a:rPr lang="en-IN" sz="1600" dirty="0"/>
+              <a:t>5.Science</a:t>
+            </a:r>
+          </a:p>
+          <a:p>
+            <a:r>
+              <a:rPr lang="en-IN" sz="1600" dirty="0"/>
+              <a:t>6.Sports</a:t>
+            </a:r>
+          </a:p>
+          <a:p>
+            <a:r>
+              <a:rPr lang="en-IN" sz="1600" dirty="0"/>
+              <a:t>7.Technology</a:t>
+            </a:r>
+          </a:p>
+          <a:p>
+            <a:endParaRPr lang="en-IN" sz="1600" dirty="0"/>
+          </a:p>
+        </p:txBody>
+      </p:sp>
+    </p:spTree>
+    <p:extLst>
+      <p:ext uri="{BB962C8B-B14F-4D97-AF65-F5344CB8AC3E}">
+        <p14:creationId xmlns:p14="http://schemas.microsoft.com/office/powerpoint/2010/main" val="48500816"/>
+      </p:ext>
+    </p:extLst>
+  </p:cSld>
+  <p:clrMapOvr>
+    <a:masterClrMapping/>
+  </p:clrMapOvr>
+</p:sld>
+</file>
+
+<file path=ppt/slides/slide11.xml><?xml version="1.0" encoding="utf-8"?>
+<p:sld xmlns:a="http://schemas.openxmlformats.org/drawingml/2006/main" xmlns:r="http://schemas.openxmlformats.org/officeDocument/2006/relationships" xmlns:p="http://schemas.openxmlformats.org/presentationml/2006/main">
+  <p:cSld>
+    <p:spTree>
+      <p:nvGrpSpPr>
+        <p:cNvPr id="1" name=""/>
+        <p:cNvGrpSpPr/>
+        <p:nvPr/>
+      </p:nvGrpSpPr>
+      <p:grpSpPr>
+        <a:xfrm>
+          <a:off x="0" y="0"/>
+          <a:ext cx="0" cy="0"/>
+          <a:chOff x="0" y="0"/>
+          <a:chExt cx="0" cy="0"/>
+        </a:xfrm>
+      </p:grpSpPr>
+      <p:sp>
+        <p:nvSpPr>
+          <p:cNvPr id="2" name="Title 1">
+            <a:extLst>
+              <a:ext uri="{FF2B5EF4-FFF2-40B4-BE49-F238E27FC236}">
                 <a16:creationId xmlns:a16="http://schemas.microsoft.com/office/drawing/2014/main" id="{35E82E2C-C924-4638-9056-9BD0F7696CA1}"/>
               </a:ext>
             </a:extLst>
@@ -3656,7 +4392,7 @@
 </p:sld>
 </file>
 
-<file path=ppt/slides/slide11.xml><?xml version="1.0" encoding="utf-8"?>
+<file path=ppt/slides/slide12.xml><?xml version="1.0" encoding="utf-8"?>
 <p:sld xmlns:a="http://schemas.openxmlformats.org/drawingml/2006/main" xmlns:r="http://schemas.openxmlformats.org/officeDocument/2006/relationships" xmlns:p="http://schemas.openxmlformats.org/presentationml/2006/main">
   <p:cSld>
     <p:spTree>
@@ -3743,7 +4479,94 @@
 </p:sld>
 </file>
 
-<file path=ppt/slides/slide12.xml><?xml version="1.0" encoding="utf-8"?>
+<file path=ppt/slides/slide13.xml><?xml version="1.0" encoding="utf-8"?>
+<p:sld xmlns:a="http://schemas.openxmlformats.org/drawingml/2006/main" xmlns:r="http://schemas.openxmlformats.org/officeDocument/2006/relationships" xmlns:p="http://schemas.openxmlformats.org/presentationml/2006/main">
+  <p:cSld>
+    <p:spTree>
+      <p:nvGrpSpPr>
+        <p:cNvPr id="1" name=""/>
+        <p:cNvGrpSpPr/>
+        <p:nvPr/>
+      </p:nvGrpSpPr>
+      <p:grpSpPr>
+        <a:xfrm>
+          <a:off x="0" y="0"/>
+          <a:ext cx="0" cy="0"/>
+          <a:chOff x="0" y="0"/>
+          <a:chExt cx="0" cy="0"/>
+        </a:xfrm>
+      </p:grpSpPr>
+      <p:sp>
+        <p:nvSpPr>
+          <p:cNvPr id="2" name="Title 1">
+            <a:extLst>
+              <a:ext uri="{FF2B5EF4-FFF2-40B4-BE49-F238E27FC236}">
+                <a16:creationId xmlns:a16="http://schemas.microsoft.com/office/drawing/2014/main" id="{F8F55D3F-12C4-4565-AC69-9F5C78EAD4C8}"/>
+              </a:ext>
+            </a:extLst>
+          </p:cNvPr>
+          <p:cNvSpPr>
+            <a:spLocks noGrp="1"/>
+          </p:cNvSpPr>
+          <p:nvPr>
+            <p:ph type="title"/>
+          </p:nvPr>
+        </p:nvSpPr>
+        <p:spPr/>
+        <p:txBody>
+          <a:bodyPr/>
+          <a:lstStyle/>
+          <a:p>
+            <a:r>
+              <a:rPr lang="en-IN" dirty="0"/>
+              <a:t>API postman</a:t>
+            </a:r>
+          </a:p>
+        </p:txBody>
+      </p:sp>
+      <p:pic>
+        <p:nvPicPr>
+          <p:cNvPr id="5" name="Content Placeholder 4">
+            <a:extLst>
+              <a:ext uri="{FF2B5EF4-FFF2-40B4-BE49-F238E27FC236}">
+                <a16:creationId xmlns:a16="http://schemas.microsoft.com/office/drawing/2014/main" id="{F24B933E-FB6C-404E-9D9E-DB3EB5BFC7EC}"/>
+              </a:ext>
+            </a:extLst>
+          </p:cNvPr>
+          <p:cNvPicPr>
+            <a:picLocks noGrp="1" noChangeAspect="1"/>
+          </p:cNvPicPr>
+          <p:nvPr>
+            <p:ph idx="1"/>
+          </p:nvPr>
+        </p:nvPicPr>
+        <p:blipFill>
+          <a:blip r:embed="rId2"/>
+          <a:stretch>
+            <a:fillRect/>
+          </a:stretch>
+        </p:blipFill>
+        <p:spPr>
+          <a:xfrm>
+            <a:off x="1020416" y="1891506"/>
+            <a:ext cx="9925879" cy="4219575"/>
+          </a:xfrm>
+        </p:spPr>
+      </p:pic>
+    </p:spTree>
+    <p:extLst>
+      <p:ext uri="{BB962C8B-B14F-4D97-AF65-F5344CB8AC3E}">
+        <p14:creationId xmlns:p14="http://schemas.microsoft.com/office/powerpoint/2010/main" val="1991821108"/>
+      </p:ext>
+    </p:extLst>
+  </p:cSld>
+  <p:clrMapOvr>
+    <a:masterClrMapping/>
+  </p:clrMapOvr>
+</p:sld>
+</file>
+
+<file path=ppt/slides/slide14.xml><?xml version="1.0" encoding="utf-8"?>
 <p:sld xmlns:a="http://schemas.openxmlformats.org/drawingml/2006/main" xmlns:r="http://schemas.openxmlformats.org/officeDocument/2006/relationships" xmlns:p="http://schemas.openxmlformats.org/presentationml/2006/main">
   <p:cSld>
     <p:spTree>
@@ -5306,7 +6129,7 @@
 </p:sld>
 </file>
 
-<file path=ppt/slides/slide13.xml><?xml version="1.0" encoding="utf-8"?>
+<file path=ppt/slides/slide15.xml><?xml version="1.0" encoding="utf-8"?>
 <p:sld xmlns:a="http://schemas.openxmlformats.org/drawingml/2006/main" xmlns:r="http://schemas.openxmlformats.org/officeDocument/2006/relationships" xmlns:p="http://schemas.openxmlformats.org/presentationml/2006/main">
   <p:cSld>
     <p:spTree>
@@ -5449,7 +6272,167 @@
 </p:sld>
 </file>
 
-<file path=ppt/slides/slide14.xml><?xml version="1.0" encoding="utf-8"?>
+<file path=ppt/slides/slide16.xml><?xml version="1.0" encoding="utf-8"?>
+<p:sld xmlns:a="http://schemas.openxmlformats.org/drawingml/2006/main" xmlns:r="http://schemas.openxmlformats.org/officeDocument/2006/relationships" xmlns:p="http://schemas.openxmlformats.org/presentationml/2006/main">
+  <p:cSld>
+    <p:spTree>
+      <p:nvGrpSpPr>
+        <p:cNvPr id="1" name=""/>
+        <p:cNvGrpSpPr/>
+        <p:nvPr/>
+      </p:nvGrpSpPr>
+      <p:grpSpPr>
+        <a:xfrm>
+          <a:off x="0" y="0"/>
+          <a:ext cx="0" cy="0"/>
+          <a:chOff x="0" y="0"/>
+          <a:chExt cx="0" cy="0"/>
+        </a:xfrm>
+      </p:grpSpPr>
+      <p:sp>
+        <p:nvSpPr>
+          <p:cNvPr id="2" name="Title 1">
+            <a:extLst>
+              <a:ext uri="{FF2B5EF4-FFF2-40B4-BE49-F238E27FC236}">
+                <a16:creationId xmlns:a16="http://schemas.microsoft.com/office/drawing/2014/main" id="{6BCE0E76-2653-4378-82CB-5DA1BD0221DB}"/>
+              </a:ext>
+            </a:extLst>
+          </p:cNvPr>
+          <p:cNvSpPr>
+            <a:spLocks noGrp="1"/>
+          </p:cNvSpPr>
+          <p:nvPr>
+            <p:ph type="title"/>
+          </p:nvPr>
+        </p:nvSpPr>
+        <p:spPr/>
+        <p:txBody>
+          <a:bodyPr/>
+          <a:lstStyle/>
+          <a:p>
+            <a:r>
+              <a:rPr lang="en-IN" dirty="0"/>
+              <a:t>Load Testing (</a:t>
+            </a:r>
+            <a:r>
+              <a:rPr lang="en-IN" dirty="0" err="1"/>
+              <a:t>Jmeter</a:t>
+            </a:r>
+            <a:r>
+              <a:rPr lang="en-IN" dirty="0"/>
+              <a:t>)</a:t>
+            </a:r>
+          </a:p>
+        </p:txBody>
+      </p:sp>
+      <p:pic>
+        <p:nvPicPr>
+          <p:cNvPr id="5" name="Content Placeholder 4">
+            <a:extLst>
+              <a:ext uri="{FF2B5EF4-FFF2-40B4-BE49-F238E27FC236}">
+                <a16:creationId xmlns:a16="http://schemas.microsoft.com/office/drawing/2014/main" id="{91014FC9-512C-43C7-921A-5DE4A4B43139}"/>
+              </a:ext>
+            </a:extLst>
+          </p:cNvPr>
+          <p:cNvPicPr>
+            <a:picLocks noGrp="1" noChangeAspect="1"/>
+          </p:cNvPicPr>
+          <p:nvPr>
+            <p:ph idx="1"/>
+          </p:nvPr>
+        </p:nvPicPr>
+        <p:blipFill>
+          <a:blip r:embed="rId2"/>
+          <a:stretch>
+            <a:fillRect/>
+          </a:stretch>
+        </p:blipFill>
+        <p:spPr>
+          <a:xfrm>
+            <a:off x="241853" y="1995453"/>
+            <a:ext cx="6291470" cy="4351338"/>
+          </a:xfrm>
+        </p:spPr>
+      </p:pic>
+      <p:pic>
+        <p:nvPicPr>
+          <p:cNvPr id="7" name="Picture 6">
+            <a:extLst>
+              <a:ext uri="{FF2B5EF4-FFF2-40B4-BE49-F238E27FC236}">
+                <a16:creationId xmlns:a16="http://schemas.microsoft.com/office/drawing/2014/main" id="{154B28DE-96AF-4624-8BAC-7B30F4B2E809}"/>
+              </a:ext>
+            </a:extLst>
+          </p:cNvPr>
+          <p:cNvPicPr>
+            <a:picLocks noChangeAspect="1"/>
+          </p:cNvPicPr>
+          <p:nvPr/>
+        </p:nvPicPr>
+        <p:blipFill>
+          <a:blip r:embed="rId3"/>
+          <a:stretch>
+            <a:fillRect/>
+          </a:stretch>
+        </p:blipFill>
+        <p:spPr>
+          <a:xfrm>
+            <a:off x="6707910" y="2075966"/>
+            <a:ext cx="5338316" cy="4351338"/>
+          </a:xfrm>
+          <a:prstGeom prst="rect">
+            <a:avLst/>
+          </a:prstGeom>
+        </p:spPr>
+      </p:pic>
+      <p:sp>
+        <p:nvSpPr>
+          <p:cNvPr id="8" name="TextBox 7">
+            <a:extLst>
+              <a:ext uri="{FF2B5EF4-FFF2-40B4-BE49-F238E27FC236}">
+                <a16:creationId xmlns:a16="http://schemas.microsoft.com/office/drawing/2014/main" id="{5C5BA1ED-EA65-489D-BC11-55991210474F}"/>
+              </a:ext>
+            </a:extLst>
+          </p:cNvPr>
+          <p:cNvSpPr txBox="1"/>
+          <p:nvPr/>
+        </p:nvSpPr>
+        <p:spPr>
+          <a:xfrm>
+            <a:off x="7447722" y="1058529"/>
+            <a:ext cx="2729948" cy="646331"/>
+          </a:xfrm>
+          <a:prstGeom prst="rect">
+            <a:avLst/>
+          </a:prstGeom>
+          <a:noFill/>
+        </p:spPr>
+        <p:txBody>
+          <a:bodyPr wrap="square" rtlCol="0">
+            <a:spAutoFit/>
+          </a:bodyPr>
+          <a:lstStyle/>
+          <a:p>
+            <a:r>
+              <a:rPr lang="en-IN" dirty="0"/>
+              <a:t>Responses time is reasonable when TPS is 1-2</a:t>
+            </a:r>
+          </a:p>
+        </p:txBody>
+      </p:sp>
+    </p:spTree>
+    <p:extLst>
+      <p:ext uri="{BB962C8B-B14F-4D97-AF65-F5344CB8AC3E}">
+        <p14:creationId xmlns:p14="http://schemas.microsoft.com/office/powerpoint/2010/main" val="4060859090"/>
+      </p:ext>
+    </p:extLst>
+  </p:cSld>
+  <p:clrMapOvr>
+    <a:masterClrMapping/>
+  </p:clrMapOvr>
+</p:sld>
+</file>
+
+<file path=ppt/slides/slide17.xml><?xml version="1.0" encoding="utf-8"?>
 <p:sld xmlns:a="http://schemas.openxmlformats.org/drawingml/2006/main" xmlns:r="http://schemas.openxmlformats.org/officeDocument/2006/relationships" xmlns:p="http://schemas.openxmlformats.org/presentationml/2006/main">
   <p:cSld>
     <p:spTree>
@@ -5614,7 +6597,7 @@
         </p:nvGrpSpPr>
         <p:grpSpPr>
           <a:xfrm>
-            <a:off x="568390" y="2149425"/>
+            <a:off x="965955" y="2264841"/>
             <a:ext cx="11055219" cy="3012944"/>
             <a:chOff x="0" y="1687926"/>
             <a:chExt cx="11055219" cy="3012944"/>
@@ -6538,6 +7521,86 @@
           </a:p>
         </p:txBody>
       </p:sp>
+      <p:sp>
+        <p:nvSpPr>
+          <p:cNvPr id="3" name="TextBox 2">
+            <a:extLst>
+              <a:ext uri="{FF2B5EF4-FFF2-40B4-BE49-F238E27FC236}">
+                <a16:creationId xmlns:a16="http://schemas.microsoft.com/office/drawing/2014/main" id="{C1A1F6D2-B02F-4E00-9EC7-8B0FA668E5F8}"/>
+              </a:ext>
+            </a:extLst>
+          </p:cNvPr>
+          <p:cNvSpPr txBox="1"/>
+          <p:nvPr/>
+        </p:nvSpPr>
+        <p:spPr>
+          <a:xfrm>
+            <a:off x="3447774" y="622867"/>
+            <a:ext cx="4254305" cy="2339102"/>
+          </a:xfrm>
+          <a:prstGeom prst="rect">
+            <a:avLst/>
+          </a:prstGeom>
+          <a:noFill/>
+        </p:spPr>
+        <p:txBody>
+          <a:bodyPr wrap="square" rtlCol="0">
+            <a:spAutoFit/>
+          </a:bodyPr>
+          <a:lstStyle/>
+          <a:p>
+            <a:r>
+              <a:rPr lang="en-IN" sz="1600" dirty="0"/>
+              <a:t>Topics:</a:t>
+            </a:r>
+          </a:p>
+          <a:p>
+            <a:r>
+              <a:rPr lang="en-IN" sz="1600" dirty="0"/>
+              <a:t>1.Business</a:t>
+            </a:r>
+          </a:p>
+          <a:p>
+            <a:r>
+              <a:rPr lang="en-IN" sz="1600" dirty="0"/>
+              <a:t>2.Entertainment</a:t>
+            </a:r>
+          </a:p>
+          <a:p>
+            <a:r>
+              <a:rPr lang="en-IN" sz="1600" dirty="0"/>
+              <a:t>3.General</a:t>
+            </a:r>
+          </a:p>
+          <a:p>
+            <a:r>
+              <a:rPr lang="en-IN" sz="1600" dirty="0"/>
+              <a:t>4.Health</a:t>
+            </a:r>
+          </a:p>
+          <a:p>
+            <a:r>
+              <a:rPr lang="en-IN" sz="1600" dirty="0"/>
+              <a:t>5.Science</a:t>
+            </a:r>
+          </a:p>
+          <a:p>
+            <a:r>
+              <a:rPr lang="en-IN" sz="1600" dirty="0"/>
+              <a:t>6.Sports</a:t>
+            </a:r>
+          </a:p>
+          <a:p>
+            <a:r>
+              <a:rPr lang="en-IN" sz="1600" dirty="0"/>
+              <a:t>7.Technology</a:t>
+            </a:r>
+          </a:p>
+          <a:p>
+            <a:endParaRPr lang="en-IN" sz="1600" dirty="0"/>
+          </a:p>
+        </p:txBody>
+      </p:sp>
     </p:spTree>
     <p:extLst>
       <p:ext uri="{BB962C8B-B14F-4D97-AF65-F5344CB8AC3E}">
@@ -6680,35 +7743,50 @@
           <a:bodyPr/>
           <a:lstStyle/>
           <a:p>
-            <a:endParaRPr lang="en-IN"/>
-          </a:p>
-        </p:txBody>
-      </p:sp>
-      <p:sp>
-        <p:nvSpPr>
-          <p:cNvPr id="3" name="Content Placeholder 2">
-            <a:extLst>
-              <a:ext uri="{FF2B5EF4-FFF2-40B4-BE49-F238E27FC236}">
-                <a16:creationId xmlns:a16="http://schemas.microsoft.com/office/drawing/2014/main" id="{47FBB52E-132F-4995-9119-9AB9B0FAC637}"/>
-              </a:ext>
-            </a:extLst>
-          </p:cNvPr>
-          <p:cNvSpPr>
-            <a:spLocks noGrp="1"/>
-          </p:cNvSpPr>
+            <a:r>
+              <a:rPr lang="en-IN" dirty="0"/>
+              <a:t>Consumer and </a:t>
+            </a:r>
+            <a:r>
+              <a:rPr lang="en-IN" dirty="0" err="1"/>
+              <a:t>newsapi</a:t>
+            </a:r>
+            <a:r>
+              <a:rPr lang="en-IN" dirty="0"/>
+              <a:t> producer</a:t>
+            </a:r>
+          </a:p>
+        </p:txBody>
+      </p:sp>
+      <p:pic>
+        <p:nvPicPr>
+          <p:cNvPr id="5" name="Content Placeholder 4">
+            <a:extLst>
+              <a:ext uri="{FF2B5EF4-FFF2-40B4-BE49-F238E27FC236}">
+                <a16:creationId xmlns:a16="http://schemas.microsoft.com/office/drawing/2014/main" id="{5B54CE46-3043-479D-BFAC-CE28514A431F}"/>
+              </a:ext>
+            </a:extLst>
+          </p:cNvPr>
+          <p:cNvPicPr>
+            <a:picLocks noGrp="1" noChangeAspect="1"/>
+          </p:cNvPicPr>
           <p:nvPr>
             <p:ph idx="1"/>
           </p:nvPr>
-        </p:nvSpPr>
-        <p:spPr/>
-        <p:txBody>
-          <a:bodyPr/>
-          <a:lstStyle/>
-          <a:p>
-            <a:endParaRPr lang="en-IN"/>
-          </a:p>
-        </p:txBody>
-      </p:sp>
+        </p:nvPicPr>
+        <p:blipFill>
+          <a:blip r:embed="rId2"/>
+          <a:stretch>
+            <a:fillRect/>
+          </a:stretch>
+        </p:blipFill>
+        <p:spPr>
+          <a:xfrm>
+            <a:off x="715618" y="1690688"/>
+            <a:ext cx="11357112" cy="5001660"/>
+          </a:xfrm>
+        </p:spPr>
+      </p:pic>
     </p:spTree>
     <p:extLst>
       <p:ext uri="{BB962C8B-B14F-4D97-AF65-F5344CB8AC3E}">
@@ -6744,6 +7822,101 @@
           <p:cNvPr id="2" name="Title 1">
             <a:extLst>
               <a:ext uri="{FF2B5EF4-FFF2-40B4-BE49-F238E27FC236}">
+                <a16:creationId xmlns:a16="http://schemas.microsoft.com/office/drawing/2014/main" id="{AB0937CD-BCF4-402A-B282-1DE12DF52336}"/>
+              </a:ext>
+            </a:extLst>
+          </p:cNvPr>
+          <p:cNvSpPr>
+            <a:spLocks noGrp="1"/>
+          </p:cNvSpPr>
+          <p:nvPr>
+            <p:ph type="title"/>
+          </p:nvPr>
+        </p:nvSpPr>
+        <p:spPr/>
+        <p:txBody>
+          <a:bodyPr/>
+          <a:lstStyle/>
+          <a:p>
+            <a:r>
+              <a:rPr lang="en-IN" dirty="0"/>
+              <a:t>Consumer and </a:t>
+            </a:r>
+            <a:r>
+              <a:rPr lang="en-IN" dirty="0" err="1"/>
+              <a:t>gnewsclient</a:t>
+            </a:r>
+            <a:r>
+              <a:rPr lang="en-IN" dirty="0"/>
+              <a:t> producer</a:t>
+            </a:r>
+          </a:p>
+        </p:txBody>
+      </p:sp>
+      <p:pic>
+        <p:nvPicPr>
+          <p:cNvPr id="5" name="Content Placeholder 4">
+            <a:extLst>
+              <a:ext uri="{FF2B5EF4-FFF2-40B4-BE49-F238E27FC236}">
+                <a16:creationId xmlns:a16="http://schemas.microsoft.com/office/drawing/2014/main" id="{A7E00E8B-2EC7-487A-9C22-04F163D0319D}"/>
+              </a:ext>
+            </a:extLst>
+          </p:cNvPr>
+          <p:cNvPicPr>
+            <a:picLocks noGrp="1" noChangeAspect="1"/>
+          </p:cNvPicPr>
+          <p:nvPr>
+            <p:ph idx="1"/>
+          </p:nvPr>
+        </p:nvPicPr>
+        <p:blipFill>
+          <a:blip r:embed="rId2"/>
+          <a:stretch>
+            <a:fillRect/>
+          </a:stretch>
+        </p:blipFill>
+        <p:spPr>
+          <a:xfrm>
+            <a:off x="583096" y="1825625"/>
+            <a:ext cx="11145078" cy="4800462"/>
+          </a:xfrm>
+        </p:spPr>
+      </p:pic>
+    </p:spTree>
+    <p:extLst>
+      <p:ext uri="{BB962C8B-B14F-4D97-AF65-F5344CB8AC3E}">
+        <p14:creationId xmlns:p14="http://schemas.microsoft.com/office/powerpoint/2010/main" val="3136148307"/>
+      </p:ext>
+    </p:extLst>
+  </p:cSld>
+  <p:clrMapOvr>
+    <a:masterClrMapping/>
+  </p:clrMapOvr>
+</p:sld>
+</file>
+
+<file path=ppt/slides/slide6.xml><?xml version="1.0" encoding="utf-8"?>
+<p:sld xmlns:a="http://schemas.openxmlformats.org/drawingml/2006/main" xmlns:r="http://schemas.openxmlformats.org/officeDocument/2006/relationships" xmlns:p="http://schemas.openxmlformats.org/presentationml/2006/main">
+  <p:cSld>
+    <p:spTree>
+      <p:nvGrpSpPr>
+        <p:cNvPr id="1" name=""/>
+        <p:cNvGrpSpPr/>
+        <p:nvPr/>
+      </p:nvGrpSpPr>
+      <p:grpSpPr>
+        <a:xfrm>
+          <a:off x="0" y="0"/>
+          <a:ext cx="0" cy="0"/>
+          <a:chOff x="0" y="0"/>
+          <a:chExt cx="0" cy="0"/>
+        </a:xfrm>
+      </p:grpSpPr>
+      <p:sp>
+        <p:nvSpPr>
+          <p:cNvPr id="2" name="Title 1">
+            <a:extLst>
+              <a:ext uri="{FF2B5EF4-FFF2-40B4-BE49-F238E27FC236}">
                 <a16:creationId xmlns:a16="http://schemas.microsoft.com/office/drawing/2014/main" id="{2C085722-A1F1-4DCD-A00A-E52A2FCA34DC}"/>
               </a:ext>
             </a:extLst>
@@ -7172,7 +8345,7 @@
 </p:sld>
 </file>
 
-<file path=ppt/slides/slide6.xml><?xml version="1.0" encoding="utf-8"?>
+<file path=ppt/slides/slide7.xml><?xml version="1.0" encoding="utf-8"?>
 <p:sld xmlns:a="http://schemas.openxmlformats.org/drawingml/2006/main" xmlns:r="http://schemas.openxmlformats.org/officeDocument/2006/relationships" xmlns:p="http://schemas.openxmlformats.org/presentationml/2006/main">
   <p:cSld>
     <p:spTree>
@@ -7898,7 +9071,7 @@
 </p:sld>
 </file>
 
-<file path=ppt/slides/slide7.xml><?xml version="1.0" encoding="utf-8"?>
+<file path=ppt/slides/slide8.xml><?xml version="1.0" encoding="utf-8"?>
 <p:sld xmlns:a="http://schemas.openxmlformats.org/drawingml/2006/main" xmlns:r="http://schemas.openxmlformats.org/officeDocument/2006/relationships" xmlns:p="http://schemas.openxmlformats.org/presentationml/2006/main">
   <p:cSld>
     <p:spTree>
@@ -8088,307 +9261,6 @@
     <p:extLst>
       <p:ext uri="{BB962C8B-B14F-4D97-AF65-F5344CB8AC3E}">
         <p14:creationId xmlns:p14="http://schemas.microsoft.com/office/powerpoint/2010/main" val="1336391366"/>
-      </p:ext>
-    </p:extLst>
-  </p:cSld>
-  <p:clrMapOvr>
-    <a:masterClrMapping/>
-  </p:clrMapOvr>
-</p:sld>
-</file>
-
-<file path=ppt/slides/slide8.xml><?xml version="1.0" encoding="utf-8"?>
-<p:sld xmlns:a="http://schemas.openxmlformats.org/drawingml/2006/main" xmlns:r="http://schemas.openxmlformats.org/officeDocument/2006/relationships" xmlns:p="http://schemas.openxmlformats.org/presentationml/2006/main">
-  <p:cSld>
-    <p:spTree>
-      <p:nvGrpSpPr>
-        <p:cNvPr id="1" name=""/>
-        <p:cNvGrpSpPr/>
-        <p:nvPr/>
-      </p:nvGrpSpPr>
-      <p:grpSpPr>
-        <a:xfrm>
-          <a:off x="0" y="0"/>
-          <a:ext cx="0" cy="0"/>
-          <a:chOff x="0" y="0"/>
-          <a:chExt cx="0" cy="0"/>
-        </a:xfrm>
-      </p:grpSpPr>
-      <p:sp>
-        <p:nvSpPr>
-          <p:cNvPr id="2" name="Title 1">
-            <a:extLst>
-              <a:ext uri="{FF2B5EF4-FFF2-40B4-BE49-F238E27FC236}">
-                <a16:creationId xmlns:a16="http://schemas.microsoft.com/office/drawing/2014/main" id="{2C085722-A1F1-4DCD-A00A-E52A2FCA34DC}"/>
-              </a:ext>
-            </a:extLst>
-          </p:cNvPr>
-          <p:cNvSpPr>
-            <a:spLocks noGrp="1"/>
-          </p:cNvSpPr>
-          <p:nvPr>
-            <p:ph type="title"/>
-          </p:nvPr>
-        </p:nvSpPr>
-        <p:spPr/>
-        <p:txBody>
-          <a:bodyPr/>
-          <a:lstStyle/>
-          <a:p>
-            <a:r>
-              <a:rPr lang="en-IN" dirty="0"/>
-              <a:t>Challenges for </a:t>
-            </a:r>
-            <a:r>
-              <a:rPr lang="en-IN" dirty="0" err="1"/>
-              <a:t>Preprocessing</a:t>
-            </a:r>
-            <a:r>
-              <a:rPr lang="en-IN" dirty="0"/>
-              <a:t> and Model training</a:t>
-            </a:r>
-          </a:p>
-        </p:txBody>
-      </p:sp>
-      <p:sp>
-        <p:nvSpPr>
-          <p:cNvPr id="4" name="Content Placeholder 3">
-            <a:extLst>
-              <a:ext uri="{FF2B5EF4-FFF2-40B4-BE49-F238E27FC236}">
-                <a16:creationId xmlns:a16="http://schemas.microsoft.com/office/drawing/2014/main" id="{161FF9CF-5BBC-4F2A-AB1A-10747377CEAC}"/>
-              </a:ext>
-            </a:extLst>
-          </p:cNvPr>
-          <p:cNvSpPr txBox="1">
-            <a:spLocks noGrp="1"/>
-          </p:cNvSpPr>
-          <p:nvPr>
-            <p:ph idx="1"/>
-          </p:nvPr>
-        </p:nvSpPr>
-        <p:spPr>
-          <a:xfrm>
-            <a:off x="599661" y="1801888"/>
-            <a:ext cx="10515600" cy="3254224"/>
-          </a:xfrm>
-          <a:prstGeom prst="rect">
-            <a:avLst/>
-          </a:prstGeom>
-          <a:noFill/>
-        </p:spPr>
-        <p:txBody>
-          <a:bodyPr wrap="square" rtlCol="0">
-            <a:spAutoFit/>
-          </a:bodyPr>
-          <a:lstStyle/>
-          <a:p>
-            <a:pPr marL="0" indent="0" algn="l">
-              <a:buNone/>
-            </a:pPr>
-            <a:r>
-              <a:rPr lang="en-IN" sz="1800" dirty="0">
-                <a:solidFill>
-                  <a:srgbClr val="222222"/>
-                </a:solidFill>
-                <a:latin typeface="Arial" panose="020B0604020202020204" pitchFamily="34" charset="0"/>
-              </a:rPr>
-              <a:t>1. T</a:t>
-            </a:r>
-            <a:r>
-              <a:rPr lang="en-IN" sz="1800" b="0" i="0" dirty="0">
-                <a:solidFill>
-                  <a:srgbClr val="222222"/>
-                </a:solidFill>
-                <a:effectLst/>
-                <a:latin typeface="Arial" panose="020B0604020202020204" pitchFamily="34" charset="0"/>
-              </a:rPr>
-              <a:t>raining model</a:t>
-            </a:r>
-          </a:p>
-          <a:p>
-            <a:pPr marL="0" indent="0" algn="l">
-              <a:buNone/>
-            </a:pPr>
-            <a:r>
-              <a:rPr lang="en-IN" sz="1800" b="0" i="0" dirty="0">
-                <a:solidFill>
-                  <a:srgbClr val="222222"/>
-                </a:solidFill>
-                <a:effectLst/>
-                <a:latin typeface="Arial" panose="020B0604020202020204" pitchFamily="34" charset="0"/>
-              </a:rPr>
-              <a:t>Training data as such wasn't difficult. But found difficulty in finding the right set of jars of right versions to connect mongo </a:t>
-            </a:r>
-            <a:r>
-              <a:rPr lang="en-IN" sz="1800" b="0" i="0" dirty="0" err="1">
-                <a:solidFill>
-                  <a:srgbClr val="222222"/>
-                </a:solidFill>
-                <a:effectLst/>
-                <a:latin typeface="Arial" panose="020B0604020202020204" pitchFamily="34" charset="0"/>
-              </a:rPr>
-              <a:t>db</a:t>
-            </a:r>
-            <a:r>
-              <a:rPr lang="en-IN" sz="1800" b="0" i="0" dirty="0">
-                <a:solidFill>
-                  <a:srgbClr val="222222"/>
-                </a:solidFill>
-                <a:effectLst/>
-                <a:latin typeface="Arial" panose="020B0604020202020204" pitchFamily="34" charset="0"/>
-              </a:rPr>
-              <a:t> using </a:t>
-            </a:r>
-            <a:r>
-              <a:rPr lang="en-IN" sz="1800" b="0" i="0" dirty="0" err="1">
-                <a:solidFill>
-                  <a:srgbClr val="222222"/>
-                </a:solidFill>
-                <a:effectLst/>
-                <a:latin typeface="Arial" panose="020B0604020202020204" pitchFamily="34" charset="0"/>
-              </a:rPr>
-              <a:t>pyspark</a:t>
-            </a:r>
-            <a:r>
-              <a:rPr lang="en-IN" sz="1800" b="0" i="0" dirty="0">
-                <a:solidFill>
-                  <a:srgbClr val="222222"/>
-                </a:solidFill>
-                <a:effectLst/>
-                <a:latin typeface="Arial" panose="020B0604020202020204" pitchFamily="34" charset="0"/>
-              </a:rPr>
-              <a:t>. At then end, based on the version mongo </a:t>
-            </a:r>
-            <a:r>
-              <a:rPr lang="en-IN" sz="1800" b="0" i="0" dirty="0" err="1">
-                <a:solidFill>
-                  <a:srgbClr val="222222"/>
-                </a:solidFill>
-                <a:effectLst/>
-                <a:latin typeface="Arial" panose="020B0604020202020204" pitchFamily="34" charset="0"/>
-              </a:rPr>
-              <a:t>db</a:t>
-            </a:r>
-            <a:r>
-              <a:rPr lang="en-IN" sz="1800" b="0" i="0" dirty="0">
-                <a:solidFill>
-                  <a:srgbClr val="222222"/>
-                </a:solidFill>
-                <a:effectLst/>
-                <a:latin typeface="Arial" panose="020B0604020202020204" pitchFamily="34" charset="0"/>
-              </a:rPr>
-              <a:t> connector of version 2.11 or 2.12 based on </a:t>
-            </a:r>
-            <a:r>
-              <a:rPr lang="en-IN" sz="1800" b="0" i="0" dirty="0" err="1">
-                <a:solidFill>
-                  <a:srgbClr val="222222"/>
-                </a:solidFill>
-                <a:effectLst/>
-                <a:latin typeface="Arial" panose="020B0604020202020204" pitchFamily="34" charset="0"/>
-              </a:rPr>
-              <a:t>scala</a:t>
-            </a:r>
-            <a:r>
-              <a:rPr lang="en-IN" sz="1800" b="0" i="0" dirty="0">
-                <a:solidFill>
-                  <a:srgbClr val="222222"/>
-                </a:solidFill>
-                <a:effectLst/>
-                <a:latin typeface="Arial" panose="020B0604020202020204" pitchFamily="34" charset="0"/>
-              </a:rPr>
-              <a:t> and python version, it  worked.</a:t>
-            </a:r>
-          </a:p>
-          <a:p>
-            <a:pPr marL="0" indent="0" algn="l">
-              <a:buNone/>
-            </a:pPr>
-            <a:br>
-              <a:rPr lang="en-IN" sz="1800" b="0" i="0" dirty="0">
-                <a:solidFill>
-                  <a:srgbClr val="222222"/>
-                </a:solidFill>
-                <a:effectLst/>
-                <a:latin typeface="Arial" panose="020B0604020202020204" pitchFamily="34" charset="0"/>
-              </a:rPr>
-            </a:br>
-            <a:r>
-              <a:rPr lang="en-IN" sz="1800" b="0" i="0" dirty="0">
-                <a:solidFill>
-                  <a:srgbClr val="222222"/>
-                </a:solidFill>
-                <a:effectLst/>
-                <a:latin typeface="Arial" panose="020B0604020202020204" pitchFamily="34" charset="0"/>
-              </a:rPr>
-              <a:t>.2.Model registry </a:t>
-            </a:r>
-          </a:p>
-          <a:p>
-            <a:pPr algn="l"/>
-            <a:r>
-              <a:rPr lang="en-IN" sz="1800" b="0" i="0" dirty="0">
-                <a:solidFill>
-                  <a:srgbClr val="222222"/>
-                </a:solidFill>
-                <a:effectLst/>
-                <a:latin typeface="Arial" panose="020B0604020202020204" pitchFamily="34" charset="0"/>
-              </a:rPr>
-              <a:t>Wasn't </a:t>
-            </a:r>
-            <a:r>
-              <a:rPr lang="en-IN" sz="1800" b="0" i="0" dirty="0" err="1">
-                <a:solidFill>
-                  <a:srgbClr val="222222"/>
-                </a:solidFill>
-                <a:effectLst/>
-                <a:latin typeface="Arial" panose="020B0604020202020204" pitchFamily="34" charset="0"/>
-              </a:rPr>
-              <a:t>successfull</a:t>
-            </a:r>
-            <a:r>
-              <a:rPr lang="en-IN" sz="1800" b="0" i="0" dirty="0">
-                <a:solidFill>
-                  <a:srgbClr val="222222"/>
-                </a:solidFill>
-                <a:effectLst/>
-                <a:latin typeface="Arial" panose="020B0604020202020204" pitchFamily="34" charset="0"/>
-              </a:rPr>
-              <a:t> in storing the model in </a:t>
-            </a:r>
-            <a:r>
-              <a:rPr lang="en-IN" sz="1800" b="0" i="0" dirty="0" err="1">
-                <a:solidFill>
-                  <a:srgbClr val="222222"/>
-                </a:solidFill>
-                <a:effectLst/>
-                <a:latin typeface="Arial" panose="020B0604020202020204" pitchFamily="34" charset="0"/>
-              </a:rPr>
-              <a:t>mlflow</a:t>
-            </a:r>
-            <a:r>
-              <a:rPr lang="en-IN" sz="1800" b="0" i="0" dirty="0">
-                <a:solidFill>
-                  <a:srgbClr val="222222"/>
-                </a:solidFill>
-                <a:effectLst/>
-                <a:latin typeface="Arial" panose="020B0604020202020204" pitchFamily="34" charset="0"/>
-              </a:rPr>
-              <a:t> registry hence stored it in pickle file.</a:t>
-            </a:r>
-          </a:p>
-          <a:p>
-            <a:endParaRPr lang="en-IN" dirty="0"/>
-          </a:p>
-          <a:p>
-            <a:endParaRPr lang="en-IN" dirty="0"/>
-          </a:p>
-        </p:txBody>
-      </p:sp>
-    </p:spTree>
-    <p:extLst>
-      <p:ext uri="{BB962C8B-B14F-4D97-AF65-F5344CB8AC3E}">
-        <p14:creationId xmlns:p14="http://schemas.microsoft.com/office/powerpoint/2010/main" val="4090834403"/>
       </p:ext>
     </p:extLst>
   </p:cSld>
@@ -8420,7 +9292,7 @@
           <p:cNvPr id="2" name="Title 1">
             <a:extLst>
               <a:ext uri="{FF2B5EF4-FFF2-40B4-BE49-F238E27FC236}">
-                <a16:creationId xmlns:a16="http://schemas.microsoft.com/office/drawing/2014/main" id="{0807F618-364D-48A6-8D8D-7AF6CD62657C}"/>
+                <a16:creationId xmlns:a16="http://schemas.microsoft.com/office/drawing/2014/main" id="{2C085722-A1F1-4DCD-A00A-E52A2FCA34DC}"/>
               </a:ext>
             </a:extLst>
           </p:cNvPr>
@@ -8438,132 +9310,39 @@
           <a:p>
             <a:r>
               <a:rPr lang="en-IN" dirty="0"/>
-              <a:t>Architecture</a:t>
-            </a:r>
-          </a:p>
-        </p:txBody>
-      </p:sp>
-      <p:sp>
-        <p:nvSpPr>
-          <p:cNvPr id="4" name="Rectangle: Rounded Corners 3">
-            <a:extLst>
-              <a:ext uri="{FF2B5EF4-FFF2-40B4-BE49-F238E27FC236}">
-                <a16:creationId xmlns:a16="http://schemas.microsoft.com/office/drawing/2014/main" id="{7834004C-065A-4CB6-BF8A-6F0661CB2D5E}"/>
-              </a:ext>
-            </a:extLst>
-          </p:cNvPr>
-          <p:cNvSpPr/>
-          <p:nvPr/>
+              <a:t>Challenges for </a:t>
+            </a:r>
+            <a:r>
+              <a:rPr lang="en-IN" dirty="0" err="1"/>
+              <a:t>Preprocessing</a:t>
+            </a:r>
+            <a:r>
+              <a:rPr lang="en-IN" dirty="0"/>
+              <a:t> and Model training</a:t>
+            </a:r>
+          </a:p>
+        </p:txBody>
+      </p:sp>
+      <p:sp>
+        <p:nvSpPr>
+          <p:cNvPr id="4" name="Content Placeholder 3">
+            <a:extLst>
+              <a:ext uri="{FF2B5EF4-FFF2-40B4-BE49-F238E27FC236}">
+                <a16:creationId xmlns:a16="http://schemas.microsoft.com/office/drawing/2014/main" id="{161FF9CF-5BBC-4F2A-AB1A-10747377CEAC}"/>
+              </a:ext>
+            </a:extLst>
+          </p:cNvPr>
+          <p:cNvSpPr txBox="1">
+            <a:spLocks noGrp="1"/>
+          </p:cNvSpPr>
+          <p:nvPr>
+            <p:ph idx="1"/>
+          </p:nvPr>
         </p:nvSpPr>
         <p:spPr>
           <a:xfrm>
-            <a:off x="1338470" y="2822713"/>
-            <a:ext cx="2239617" cy="1987826"/>
-          </a:xfrm>
-          <a:prstGeom prst="roundRect">
-            <a:avLst/>
-          </a:prstGeom>
-        </p:spPr>
-        <p:style>
-          <a:lnRef idx="2">
-            <a:schemeClr val="accent1">
-              <a:shade val="50000"/>
-            </a:schemeClr>
-          </a:lnRef>
-          <a:fillRef idx="1">
-            <a:schemeClr val="accent1"/>
-          </a:fillRef>
-          <a:effectRef idx="0">
-            <a:schemeClr val="accent1"/>
-          </a:effectRef>
-          <a:fontRef idx="minor">
-            <a:schemeClr val="lt1"/>
-          </a:fontRef>
-        </p:style>
-        <p:txBody>
-          <a:bodyPr rtlCol="0" anchor="ctr"/>
-          <a:lstStyle/>
-          <a:p>
-            <a:pPr algn="ctr"/>
-            <a:r>
-              <a:rPr lang="en-IN" dirty="0"/>
-              <a:t>News classifier UI</a:t>
-            </a:r>
-          </a:p>
-          <a:p>
-            <a:pPr algn="ctr"/>
-            <a:r>
-              <a:rPr lang="en-IN" dirty="0"/>
-              <a:t>(html, </a:t>
-            </a:r>
-            <a:r>
-              <a:rPr lang="en-IN" dirty="0" err="1"/>
-              <a:t>js</a:t>
-            </a:r>
-            <a:r>
-              <a:rPr lang="en-IN" dirty="0"/>
-              <a:t>)</a:t>
-            </a:r>
-          </a:p>
-        </p:txBody>
-      </p:sp>
-      <p:cxnSp>
-        <p:nvCxnSpPr>
-          <p:cNvPr id="6" name="Straight Arrow Connector 5">
-            <a:extLst>
-              <a:ext uri="{FF2B5EF4-FFF2-40B4-BE49-F238E27FC236}">
-                <a16:creationId xmlns:a16="http://schemas.microsoft.com/office/drawing/2014/main" id="{F03F245E-82BE-4365-8E78-F5FD1F20D3AA}"/>
-              </a:ext>
-            </a:extLst>
-          </p:cNvPr>
-          <p:cNvCxnSpPr>
-            <a:cxnSpLocks/>
-          </p:cNvCxnSpPr>
-          <p:nvPr/>
-        </p:nvCxnSpPr>
-        <p:spPr>
-          <a:xfrm>
-            <a:off x="3578087" y="3678514"/>
-            <a:ext cx="1772477" cy="0"/>
-          </a:xfrm>
-          <a:prstGeom prst="straightConnector1">
-            <a:avLst/>
-          </a:prstGeom>
-          <a:ln>
-            <a:tailEnd type="triangle"/>
-          </a:ln>
-        </p:spPr>
-        <p:style>
-          <a:lnRef idx="1">
-            <a:schemeClr val="accent1"/>
-          </a:lnRef>
-          <a:fillRef idx="0">
-            <a:schemeClr val="accent1"/>
-          </a:fillRef>
-          <a:effectRef idx="0">
-            <a:schemeClr val="accent1"/>
-          </a:effectRef>
-          <a:fontRef idx="minor">
-            <a:schemeClr val="tx1"/>
-          </a:fontRef>
-        </p:style>
-      </p:cxnSp>
-      <p:sp>
-        <p:nvSpPr>
-          <p:cNvPr id="7" name="TextBox 6">
-            <a:extLst>
-              <a:ext uri="{FF2B5EF4-FFF2-40B4-BE49-F238E27FC236}">
-                <a16:creationId xmlns:a16="http://schemas.microsoft.com/office/drawing/2014/main" id="{D137C465-1068-4884-8A02-BF2ED4F2C1C4}"/>
-              </a:ext>
-            </a:extLst>
-          </p:cNvPr>
-          <p:cNvSpPr txBox="1"/>
-          <p:nvPr/>
-        </p:nvSpPr>
-        <p:spPr>
-          <a:xfrm>
-            <a:off x="3988077" y="3300666"/>
-            <a:ext cx="861392" cy="646331"/>
+            <a:off x="599661" y="1801888"/>
+            <a:ext cx="10515600" cy="3254224"/>
           </a:xfrm>
           <a:prstGeom prst="rect">
             <a:avLst/>
@@ -8576,451 +9355,213 @@
           </a:bodyPr>
           <a:lstStyle/>
           <a:p>
-            <a:r>
-              <a:rPr lang="en-IN" dirty="0"/>
-              <a:t>Article/</a:t>
-            </a:r>
-            <a:r>
-              <a:rPr lang="en-IN" dirty="0" err="1"/>
-              <a:t>url</a:t>
-            </a:r>
+            <a:pPr marL="0" indent="0" algn="l">
+              <a:buNone/>
+            </a:pPr>
+            <a:r>
+              <a:rPr lang="en-IN" sz="1800" dirty="0">
+                <a:solidFill>
+                  <a:srgbClr val="222222"/>
+                </a:solidFill>
+                <a:latin typeface="Arial" panose="020B0604020202020204" pitchFamily="34" charset="0"/>
+              </a:rPr>
+              <a:t>1. T</a:t>
+            </a:r>
+            <a:r>
+              <a:rPr lang="en-IN" sz="1800" b="0" i="0" dirty="0">
+                <a:solidFill>
+                  <a:srgbClr val="222222"/>
+                </a:solidFill>
+                <a:effectLst/>
+                <a:latin typeface="Arial" panose="020B0604020202020204" pitchFamily="34" charset="0"/>
+              </a:rPr>
+              <a:t>raining model</a:t>
+            </a:r>
+          </a:p>
+          <a:p>
+            <a:pPr marL="0" indent="0" algn="l">
+              <a:buNone/>
+            </a:pPr>
+            <a:r>
+              <a:rPr lang="en-IN" sz="1800" b="0" i="0" dirty="0">
+                <a:solidFill>
+                  <a:srgbClr val="222222"/>
+                </a:solidFill>
+                <a:effectLst/>
+                <a:latin typeface="Arial" panose="020B0604020202020204" pitchFamily="34" charset="0"/>
+              </a:rPr>
+              <a:t>Training data as such wasn't difficult. But found difficulty in finding the right set of jars of right versions to connect mongo </a:t>
+            </a:r>
+            <a:r>
+              <a:rPr lang="en-IN" sz="1800" b="0" i="0" dirty="0" err="1">
+                <a:solidFill>
+                  <a:srgbClr val="222222"/>
+                </a:solidFill>
+                <a:effectLst/>
+                <a:latin typeface="Arial" panose="020B0604020202020204" pitchFamily="34" charset="0"/>
+              </a:rPr>
+              <a:t>db</a:t>
+            </a:r>
+            <a:r>
+              <a:rPr lang="en-IN" sz="1800" b="0" i="0" dirty="0">
+                <a:solidFill>
+                  <a:srgbClr val="222222"/>
+                </a:solidFill>
+                <a:effectLst/>
+                <a:latin typeface="Arial" panose="020B0604020202020204" pitchFamily="34" charset="0"/>
+              </a:rPr>
+              <a:t> using </a:t>
+            </a:r>
+            <a:r>
+              <a:rPr lang="en-IN" sz="1800" b="0" i="0" dirty="0" err="1">
+                <a:solidFill>
+                  <a:srgbClr val="222222"/>
+                </a:solidFill>
+                <a:effectLst/>
+                <a:latin typeface="Arial" panose="020B0604020202020204" pitchFamily="34" charset="0"/>
+              </a:rPr>
+              <a:t>pyspark</a:t>
+            </a:r>
+            <a:r>
+              <a:rPr lang="en-IN" sz="1800" b="0" i="0" dirty="0">
+                <a:solidFill>
+                  <a:srgbClr val="222222"/>
+                </a:solidFill>
+                <a:effectLst/>
+                <a:latin typeface="Arial" panose="020B0604020202020204" pitchFamily="34" charset="0"/>
+              </a:rPr>
+              <a:t>. At then end, based on the version mongo </a:t>
+            </a:r>
+            <a:r>
+              <a:rPr lang="en-IN" sz="1800" b="0" i="0" dirty="0" err="1">
+                <a:solidFill>
+                  <a:srgbClr val="222222"/>
+                </a:solidFill>
+                <a:effectLst/>
+                <a:latin typeface="Arial" panose="020B0604020202020204" pitchFamily="34" charset="0"/>
+              </a:rPr>
+              <a:t>db</a:t>
+            </a:r>
+            <a:r>
+              <a:rPr lang="en-IN" sz="1800" b="0" i="0" dirty="0">
+                <a:solidFill>
+                  <a:srgbClr val="222222"/>
+                </a:solidFill>
+                <a:effectLst/>
+                <a:latin typeface="Arial" panose="020B0604020202020204" pitchFamily="34" charset="0"/>
+              </a:rPr>
+              <a:t> connector of version 2.11 or 2.12 based on </a:t>
+            </a:r>
+            <a:r>
+              <a:rPr lang="en-IN" sz="1800" b="0" i="0" dirty="0" err="1">
+                <a:solidFill>
+                  <a:srgbClr val="222222"/>
+                </a:solidFill>
+                <a:effectLst/>
+                <a:latin typeface="Arial" panose="020B0604020202020204" pitchFamily="34" charset="0"/>
+              </a:rPr>
+              <a:t>scala</a:t>
+            </a:r>
+            <a:r>
+              <a:rPr lang="en-IN" sz="1800" b="0" i="0" dirty="0">
+                <a:solidFill>
+                  <a:srgbClr val="222222"/>
+                </a:solidFill>
+                <a:effectLst/>
+                <a:latin typeface="Arial" panose="020B0604020202020204" pitchFamily="34" charset="0"/>
+              </a:rPr>
+              <a:t> and python version, it  worked.</a:t>
+            </a:r>
+          </a:p>
+          <a:p>
+            <a:pPr marL="0" indent="0" algn="l">
+              <a:buNone/>
+            </a:pPr>
+            <a:br>
+              <a:rPr lang="en-IN" sz="1800" b="0" i="0" dirty="0">
+                <a:solidFill>
+                  <a:srgbClr val="222222"/>
+                </a:solidFill>
+                <a:effectLst/>
+                <a:latin typeface="Arial" panose="020B0604020202020204" pitchFamily="34" charset="0"/>
+              </a:rPr>
+            </a:br>
+            <a:r>
+              <a:rPr lang="en-IN" sz="1800" b="0" i="0" dirty="0">
+                <a:solidFill>
+                  <a:srgbClr val="222222"/>
+                </a:solidFill>
+                <a:effectLst/>
+                <a:latin typeface="Arial" panose="020B0604020202020204" pitchFamily="34" charset="0"/>
+              </a:rPr>
+              <a:t>.2.Model registry </a:t>
+            </a:r>
+          </a:p>
+          <a:p>
+            <a:pPr algn="l"/>
+            <a:r>
+              <a:rPr lang="en-IN" sz="1800" b="0" i="0" dirty="0">
+                <a:solidFill>
+                  <a:srgbClr val="222222"/>
+                </a:solidFill>
+                <a:effectLst/>
+                <a:latin typeface="Arial" panose="020B0604020202020204" pitchFamily="34" charset="0"/>
+              </a:rPr>
+              <a:t>Wasn't </a:t>
+            </a:r>
+            <a:r>
+              <a:rPr lang="en-IN" sz="1800" b="0" i="0" dirty="0" err="1">
+                <a:solidFill>
+                  <a:srgbClr val="222222"/>
+                </a:solidFill>
+                <a:effectLst/>
+                <a:latin typeface="Arial" panose="020B0604020202020204" pitchFamily="34" charset="0"/>
+              </a:rPr>
+              <a:t>successfull</a:t>
+            </a:r>
+            <a:r>
+              <a:rPr lang="en-IN" sz="1800" b="0" i="0" dirty="0">
+                <a:solidFill>
+                  <a:srgbClr val="222222"/>
+                </a:solidFill>
+                <a:effectLst/>
+                <a:latin typeface="Arial" panose="020B0604020202020204" pitchFamily="34" charset="0"/>
+              </a:rPr>
+              <a:t> in storing the model in </a:t>
+            </a:r>
+            <a:r>
+              <a:rPr lang="en-IN" sz="1800" b="0" i="0" dirty="0" err="1">
+                <a:solidFill>
+                  <a:srgbClr val="222222"/>
+                </a:solidFill>
+                <a:effectLst/>
+                <a:latin typeface="Arial" panose="020B0604020202020204" pitchFamily="34" charset="0"/>
+              </a:rPr>
+              <a:t>mlflow</a:t>
+            </a:r>
+            <a:r>
+              <a:rPr lang="en-IN" sz="1800" b="0" i="0" dirty="0">
+                <a:solidFill>
+                  <a:srgbClr val="222222"/>
+                </a:solidFill>
+                <a:effectLst/>
+                <a:latin typeface="Arial" panose="020B0604020202020204" pitchFamily="34" charset="0"/>
+              </a:rPr>
+              <a:t> registry hence stored it in pickle file.</a:t>
+            </a:r>
+          </a:p>
+          <a:p>
             <a:endParaRPr lang="en-IN" dirty="0"/>
           </a:p>
-        </p:txBody>
-      </p:sp>
-      <p:sp>
-        <p:nvSpPr>
-          <p:cNvPr id="8" name="Rectangle: Rounded Corners 7">
-            <a:extLst>
-              <a:ext uri="{FF2B5EF4-FFF2-40B4-BE49-F238E27FC236}">
-                <a16:creationId xmlns:a16="http://schemas.microsoft.com/office/drawing/2014/main" id="{B17CEC89-AA24-4364-9A42-C25BF3FE3EE8}"/>
-              </a:ext>
-            </a:extLst>
-          </p:cNvPr>
-          <p:cNvSpPr/>
-          <p:nvPr/>
-        </p:nvSpPr>
-        <p:spPr>
-          <a:xfrm>
-            <a:off x="5344766" y="2281553"/>
-            <a:ext cx="4071734" cy="3245746"/>
-          </a:xfrm>
-          <a:prstGeom prst="roundRect">
-            <a:avLst/>
-          </a:prstGeom>
-        </p:spPr>
-        <p:style>
-          <a:lnRef idx="2">
-            <a:schemeClr val="accent1">
-              <a:shade val="50000"/>
-            </a:schemeClr>
-          </a:lnRef>
-          <a:fillRef idx="1">
-            <a:schemeClr val="accent1"/>
-          </a:fillRef>
-          <a:effectRef idx="0">
-            <a:schemeClr val="accent1"/>
-          </a:effectRef>
-          <a:fontRef idx="minor">
-            <a:schemeClr val="lt1"/>
-          </a:fontRef>
-        </p:style>
-        <p:txBody>
-          <a:bodyPr rtlCol="0" anchor="ctr"/>
-          <a:lstStyle/>
-          <a:p>
-            <a:pPr algn="ctr"/>
-            <a:r>
-              <a:rPr lang="en-IN" dirty="0"/>
-              <a:t>API</a:t>
-            </a:r>
-          </a:p>
-        </p:txBody>
-      </p:sp>
-      <p:sp>
-        <p:nvSpPr>
-          <p:cNvPr id="22" name="Rectangle: Rounded Corners 21">
-            <a:extLst>
-              <a:ext uri="{FF2B5EF4-FFF2-40B4-BE49-F238E27FC236}">
-                <a16:creationId xmlns:a16="http://schemas.microsoft.com/office/drawing/2014/main" id="{5C90958E-A5AE-450B-9C50-F9393D6F379C}"/>
-              </a:ext>
-            </a:extLst>
-          </p:cNvPr>
-          <p:cNvSpPr/>
-          <p:nvPr/>
-        </p:nvSpPr>
-        <p:spPr>
-          <a:xfrm>
-            <a:off x="5732392" y="2740311"/>
-            <a:ext cx="3305590" cy="405964"/>
-          </a:xfrm>
-          <a:prstGeom prst="roundRect">
-            <a:avLst/>
-          </a:prstGeom>
-        </p:spPr>
-        <p:style>
-          <a:lnRef idx="2">
-            <a:schemeClr val="accent6"/>
-          </a:lnRef>
-          <a:fillRef idx="1">
-            <a:schemeClr val="lt1"/>
-          </a:fillRef>
-          <a:effectRef idx="0">
-            <a:schemeClr val="accent6"/>
-          </a:effectRef>
-          <a:fontRef idx="minor">
-            <a:schemeClr val="dk1"/>
-          </a:fontRef>
-        </p:style>
-        <p:txBody>
-          <a:bodyPr rtlCol="0" anchor="ctr"/>
-          <a:lstStyle/>
-          <a:p>
-            <a:pPr algn="ctr"/>
-            <a:r>
-              <a:rPr lang="en-IN" dirty="0"/>
-              <a:t>1. Extract data if its </a:t>
-            </a:r>
-            <a:r>
-              <a:rPr lang="en-IN" dirty="0" err="1"/>
-              <a:t>url</a:t>
-            </a:r>
+          <a:p>
             <a:endParaRPr lang="en-IN" dirty="0"/>
-          </a:p>
-        </p:txBody>
-      </p:sp>
-      <p:sp>
-        <p:nvSpPr>
-          <p:cNvPr id="25" name="Rectangle: Rounded Corners 24">
-            <a:extLst>
-              <a:ext uri="{FF2B5EF4-FFF2-40B4-BE49-F238E27FC236}">
-                <a16:creationId xmlns:a16="http://schemas.microsoft.com/office/drawing/2014/main" id="{0751147E-FFA1-4DB1-AD84-4BAAAC33A572}"/>
-              </a:ext>
-            </a:extLst>
-          </p:cNvPr>
-          <p:cNvSpPr/>
-          <p:nvPr/>
-        </p:nvSpPr>
-        <p:spPr>
-          <a:xfrm>
-            <a:off x="5732392" y="3315121"/>
-            <a:ext cx="3305590" cy="405964"/>
-          </a:xfrm>
-          <a:prstGeom prst="roundRect">
-            <a:avLst/>
-          </a:prstGeom>
-        </p:spPr>
-        <p:style>
-          <a:lnRef idx="2">
-            <a:schemeClr val="accent6"/>
-          </a:lnRef>
-          <a:fillRef idx="1">
-            <a:schemeClr val="lt1"/>
-          </a:fillRef>
-          <a:effectRef idx="0">
-            <a:schemeClr val="accent6"/>
-          </a:effectRef>
-          <a:fontRef idx="minor">
-            <a:schemeClr val="dk1"/>
-          </a:fontRef>
-        </p:style>
-        <p:txBody>
-          <a:bodyPr rtlCol="0" anchor="ctr"/>
-          <a:lstStyle/>
-          <a:p>
-            <a:pPr algn="ctr"/>
-            <a:r>
-              <a:rPr lang="en-IN" dirty="0"/>
-              <a:t>2.Preprocess data</a:t>
-            </a:r>
-          </a:p>
-        </p:txBody>
-      </p:sp>
-      <p:sp>
-        <p:nvSpPr>
-          <p:cNvPr id="26" name="Rectangle: Rounded Corners 25">
-            <a:extLst>
-              <a:ext uri="{FF2B5EF4-FFF2-40B4-BE49-F238E27FC236}">
-                <a16:creationId xmlns:a16="http://schemas.microsoft.com/office/drawing/2014/main" id="{76661115-3670-4163-8ED4-7E65D7C80B04}"/>
-              </a:ext>
-            </a:extLst>
-          </p:cNvPr>
-          <p:cNvSpPr/>
-          <p:nvPr/>
-        </p:nvSpPr>
-        <p:spPr>
-          <a:xfrm>
-            <a:off x="5732393" y="4184661"/>
-            <a:ext cx="3411607" cy="809157"/>
-          </a:xfrm>
-          <a:prstGeom prst="roundRect">
-            <a:avLst/>
-          </a:prstGeom>
-        </p:spPr>
-        <p:style>
-          <a:lnRef idx="2">
-            <a:schemeClr val="accent6"/>
-          </a:lnRef>
-          <a:fillRef idx="1">
-            <a:schemeClr val="lt1"/>
-          </a:fillRef>
-          <a:effectRef idx="0">
-            <a:schemeClr val="accent6"/>
-          </a:effectRef>
-          <a:fontRef idx="minor">
-            <a:schemeClr val="dk1"/>
-          </a:fontRef>
-        </p:style>
-        <p:txBody>
-          <a:bodyPr rtlCol="0" anchor="ctr"/>
-          <a:lstStyle/>
-          <a:p>
-            <a:pPr algn="ctr"/>
-            <a:r>
-              <a:rPr lang="en-IN" dirty="0"/>
-              <a:t>3.Extract model from pickle file .Predict and give back response</a:t>
-            </a:r>
-          </a:p>
-        </p:txBody>
-      </p:sp>
-      <p:cxnSp>
-        <p:nvCxnSpPr>
-          <p:cNvPr id="28" name="Straight Arrow Connector 27">
-            <a:extLst>
-              <a:ext uri="{FF2B5EF4-FFF2-40B4-BE49-F238E27FC236}">
-                <a16:creationId xmlns:a16="http://schemas.microsoft.com/office/drawing/2014/main" id="{0BF39E5A-6465-4963-B99B-16F24B0A8629}"/>
-              </a:ext>
-            </a:extLst>
-          </p:cNvPr>
-          <p:cNvCxnSpPr/>
-          <p:nvPr/>
-        </p:nvCxnSpPr>
-        <p:spPr>
-          <a:xfrm flipH="1">
-            <a:off x="3578087" y="4184661"/>
-            <a:ext cx="1772475" cy="0"/>
-          </a:xfrm>
-          <a:prstGeom prst="straightConnector1">
-            <a:avLst/>
-          </a:prstGeom>
-          <a:ln>
-            <a:tailEnd type="triangle"/>
-          </a:ln>
-        </p:spPr>
-        <p:style>
-          <a:lnRef idx="1">
-            <a:schemeClr val="accent1"/>
-          </a:lnRef>
-          <a:fillRef idx="0">
-            <a:schemeClr val="accent1"/>
-          </a:fillRef>
-          <a:effectRef idx="0">
-            <a:schemeClr val="accent1"/>
-          </a:effectRef>
-          <a:fontRef idx="minor">
-            <a:schemeClr val="tx1"/>
-          </a:fontRef>
-        </p:style>
-      </p:cxnSp>
-      <p:sp>
-        <p:nvSpPr>
-          <p:cNvPr id="29" name="TextBox 28">
-            <a:extLst>
-              <a:ext uri="{FF2B5EF4-FFF2-40B4-BE49-F238E27FC236}">
-                <a16:creationId xmlns:a16="http://schemas.microsoft.com/office/drawing/2014/main" id="{C0A10903-4C5D-4832-B7AC-A47DE8BB398F}"/>
-              </a:ext>
-            </a:extLst>
-          </p:cNvPr>
-          <p:cNvSpPr txBox="1"/>
-          <p:nvPr/>
-        </p:nvSpPr>
-        <p:spPr>
-          <a:xfrm>
-            <a:off x="3988077" y="4086039"/>
-            <a:ext cx="1065145" cy="369332"/>
-          </a:xfrm>
-          <a:prstGeom prst="rect">
-            <a:avLst/>
-          </a:prstGeom>
-          <a:noFill/>
-        </p:spPr>
-        <p:txBody>
-          <a:bodyPr wrap="square" rtlCol="0">
-            <a:spAutoFit/>
-          </a:bodyPr>
-          <a:lstStyle/>
-          <a:p>
-            <a:r>
-              <a:rPr lang="en-IN" dirty="0"/>
-              <a:t>category</a:t>
-            </a:r>
-          </a:p>
-        </p:txBody>
-      </p:sp>
-      <p:sp>
-        <p:nvSpPr>
-          <p:cNvPr id="30" name="TextBox 29">
-            <a:extLst>
-              <a:ext uri="{FF2B5EF4-FFF2-40B4-BE49-F238E27FC236}">
-                <a16:creationId xmlns:a16="http://schemas.microsoft.com/office/drawing/2014/main" id="{7E0BD407-FB7E-478C-8B61-B7305A5374F3}"/>
-              </a:ext>
-            </a:extLst>
-          </p:cNvPr>
-          <p:cNvSpPr txBox="1"/>
-          <p:nvPr/>
-        </p:nvSpPr>
-        <p:spPr>
-          <a:xfrm>
-            <a:off x="3869634" y="5595706"/>
-            <a:ext cx="4174435" cy="369332"/>
-          </a:xfrm>
-          <a:prstGeom prst="rect">
-            <a:avLst/>
-          </a:prstGeom>
-          <a:noFill/>
-        </p:spPr>
-        <p:txBody>
-          <a:bodyPr wrap="square" rtlCol="0">
-            <a:spAutoFit/>
-          </a:bodyPr>
-          <a:lstStyle/>
-          <a:p>
-            <a:r>
-              <a:rPr lang="en-IN" dirty="0"/>
-              <a:t>Prediction</a:t>
-            </a:r>
-          </a:p>
-        </p:txBody>
-      </p:sp>
-      <p:sp>
-        <p:nvSpPr>
-          <p:cNvPr id="31" name="TextBox 30">
-            <a:extLst>
-              <a:ext uri="{FF2B5EF4-FFF2-40B4-BE49-F238E27FC236}">
-                <a16:creationId xmlns:a16="http://schemas.microsoft.com/office/drawing/2014/main" id="{587FD850-304A-4387-8075-195690C501AF}"/>
-              </a:ext>
-            </a:extLst>
-          </p:cNvPr>
-          <p:cNvSpPr txBox="1"/>
-          <p:nvPr/>
-        </p:nvSpPr>
-        <p:spPr>
-          <a:xfrm>
-            <a:off x="9144000" y="266222"/>
-            <a:ext cx="2794553" cy="2585323"/>
-          </a:xfrm>
-          <a:prstGeom prst="rect">
-            <a:avLst/>
-          </a:prstGeom>
-          <a:noFill/>
-        </p:spPr>
-        <p:txBody>
-          <a:bodyPr wrap="square" rtlCol="0">
-            <a:spAutoFit/>
-          </a:bodyPr>
-          <a:lstStyle/>
-          <a:p>
-            <a:r>
-              <a:rPr lang="en-IN" dirty="0"/>
-              <a:t>Tools and Installation</a:t>
-            </a:r>
-          </a:p>
-          <a:p>
-            <a:pPr marL="342900" indent="-342900">
-              <a:buAutoNum type="arabicPeriod"/>
-            </a:pPr>
-            <a:r>
-              <a:rPr lang="en-IN" dirty="0"/>
-              <a:t>newspaper3k python library</a:t>
-            </a:r>
-          </a:p>
-          <a:p>
-            <a:pPr marL="342900" indent="-342900">
-              <a:buAutoNum type="arabicPeriod"/>
-            </a:pPr>
-            <a:r>
-              <a:rPr lang="en-IN" dirty="0"/>
-              <a:t>Python </a:t>
-            </a:r>
-          </a:p>
-          <a:p>
-            <a:pPr marL="342900" indent="-342900">
-              <a:buAutoNum type="arabicPeriod"/>
-            </a:pPr>
-            <a:r>
-              <a:rPr lang="en-IN" dirty="0"/>
-              <a:t>Flask python library for </a:t>
-            </a:r>
-            <a:r>
-              <a:rPr lang="en-IN" dirty="0" err="1"/>
-              <a:t>api</a:t>
-            </a:r>
-            <a:endParaRPr lang="en-IN" dirty="0"/>
-          </a:p>
-          <a:p>
-            <a:pPr marL="342900" indent="-342900">
-              <a:buAutoNum type="arabicPeriod"/>
-            </a:pPr>
-            <a:r>
-              <a:rPr lang="en-IN" dirty="0"/>
-              <a:t>HTML and </a:t>
-            </a:r>
-            <a:r>
-              <a:rPr lang="en-IN" dirty="0" err="1"/>
-              <a:t>javascript</a:t>
-            </a:r>
-            <a:r>
-              <a:rPr lang="en-IN" dirty="0"/>
-              <a:t> for UI</a:t>
-            </a:r>
-          </a:p>
-          <a:p>
-            <a:pPr marL="342900" indent="-342900">
-              <a:buAutoNum type="arabicPeriod"/>
-            </a:pPr>
-            <a:endParaRPr lang="en-IN" dirty="0"/>
-          </a:p>
-        </p:txBody>
-      </p:sp>
-      <p:sp>
-        <p:nvSpPr>
-          <p:cNvPr id="32" name="TextBox 31">
-            <a:extLst>
-              <a:ext uri="{FF2B5EF4-FFF2-40B4-BE49-F238E27FC236}">
-                <a16:creationId xmlns:a16="http://schemas.microsoft.com/office/drawing/2014/main" id="{A71FBE99-7FF0-43BA-982D-6B78FCEF53D3}"/>
-              </a:ext>
-            </a:extLst>
-          </p:cNvPr>
-          <p:cNvSpPr txBox="1"/>
-          <p:nvPr/>
-        </p:nvSpPr>
-        <p:spPr>
-          <a:xfrm>
-            <a:off x="4281282" y="1719411"/>
-            <a:ext cx="1975401" cy="369332"/>
-          </a:xfrm>
-          <a:prstGeom prst="rect">
-            <a:avLst/>
-          </a:prstGeom>
-          <a:noFill/>
-        </p:spPr>
-        <p:txBody>
-          <a:bodyPr wrap="square" rtlCol="0">
-            <a:spAutoFit/>
-          </a:bodyPr>
-          <a:lstStyle/>
-          <a:p>
-            <a:r>
-              <a:rPr lang="en-IN" dirty="0"/>
-              <a:t>Milestone 4</a:t>
-            </a:r>
           </a:p>
         </p:txBody>
       </p:sp>
     </p:spTree>
     <p:extLst>
       <p:ext uri="{BB962C8B-B14F-4D97-AF65-F5344CB8AC3E}">
-        <p14:creationId xmlns:p14="http://schemas.microsoft.com/office/powerpoint/2010/main" val="48500816"/>
+        <p14:creationId xmlns:p14="http://schemas.microsoft.com/office/powerpoint/2010/main" val="4090834403"/>
       </p:ext>
     </p:extLst>
   </p:cSld>
